--- a/docs/Temperature Presentation/Quy/SetupDevice/ReadDataFromWristband.pptx
+++ b/docs/Temperature Presentation/Quy/SetupDevice/ReadDataFromWristband.pptx
@@ -5,10 +5,11 @@
     <p:sldMasterId id="2147483648" r:id="rId1"/>
   </p:sldMasterIdLst>
   <p:sldIdLst>
-    <p:sldId id="274" r:id="rId2"/>
-    <p:sldId id="271" r:id="rId3"/>
-    <p:sldId id="272" r:id="rId4"/>
-    <p:sldId id="273" r:id="rId5"/>
+    <p:sldId id="275" r:id="rId2"/>
+    <p:sldId id="274" r:id="rId3"/>
+    <p:sldId id="271" r:id="rId4"/>
+    <p:sldId id="272" r:id="rId5"/>
+    <p:sldId id="273" r:id="rId6"/>
   </p:sldIdLst>
   <p:sldSz cx="9144000" cy="6858000" type="screen4x3"/>
   <p:notesSz cx="6858000" cy="9144000"/>
@@ -292,7 +293,7 @@
             <a:fld id="{1D8BD707-D9CF-40AE-B4C6-C98DA3205C09}" type="datetimeFigureOut">
               <a:rPr lang="en-US" smtClean="0"/>
               <a:pPr/>
-              <a:t>12/8/2015</a:t>
+              <a:t>12/9/2015</a:t>
             </a:fld>
             <a:endParaRPr lang="en-US"/>
           </a:p>
@@ -459,7 +460,7 @@
             <a:fld id="{1D8BD707-D9CF-40AE-B4C6-C98DA3205C09}" type="datetimeFigureOut">
               <a:rPr lang="en-US" smtClean="0"/>
               <a:pPr/>
-              <a:t>12/8/2015</a:t>
+              <a:t>12/9/2015</a:t>
             </a:fld>
             <a:endParaRPr lang="en-US"/>
           </a:p>
@@ -636,7 +637,7 @@
             <a:fld id="{1D8BD707-D9CF-40AE-B4C6-C98DA3205C09}" type="datetimeFigureOut">
               <a:rPr lang="en-US" smtClean="0"/>
               <a:pPr/>
-              <a:t>12/8/2015</a:t>
+              <a:t>12/9/2015</a:t>
             </a:fld>
             <a:endParaRPr lang="en-US"/>
           </a:p>
@@ -803,7 +804,7 @@
             <a:fld id="{1D8BD707-D9CF-40AE-B4C6-C98DA3205C09}" type="datetimeFigureOut">
               <a:rPr lang="en-US" smtClean="0"/>
               <a:pPr/>
-              <a:t>12/8/2015</a:t>
+              <a:t>12/9/2015</a:t>
             </a:fld>
             <a:endParaRPr lang="en-US"/>
           </a:p>
@@ -1046,7 +1047,7 @@
             <a:fld id="{1D8BD707-D9CF-40AE-B4C6-C98DA3205C09}" type="datetimeFigureOut">
               <a:rPr lang="en-US" smtClean="0"/>
               <a:pPr/>
-              <a:t>12/8/2015</a:t>
+              <a:t>12/9/2015</a:t>
             </a:fld>
             <a:endParaRPr lang="en-US"/>
           </a:p>
@@ -1331,7 +1332,7 @@
             <a:fld id="{1D8BD707-D9CF-40AE-B4C6-C98DA3205C09}" type="datetimeFigureOut">
               <a:rPr lang="en-US" smtClean="0"/>
               <a:pPr/>
-              <a:t>12/8/2015</a:t>
+              <a:t>12/9/2015</a:t>
             </a:fld>
             <a:endParaRPr lang="en-US"/>
           </a:p>
@@ -1750,7 +1751,7 @@
             <a:fld id="{1D8BD707-D9CF-40AE-B4C6-C98DA3205C09}" type="datetimeFigureOut">
               <a:rPr lang="en-US" smtClean="0"/>
               <a:pPr/>
-              <a:t>12/8/2015</a:t>
+              <a:t>12/9/2015</a:t>
             </a:fld>
             <a:endParaRPr lang="en-US"/>
           </a:p>
@@ -1865,7 +1866,7 @@
             <a:fld id="{1D8BD707-D9CF-40AE-B4C6-C98DA3205C09}" type="datetimeFigureOut">
               <a:rPr lang="en-US" smtClean="0"/>
               <a:pPr/>
-              <a:t>12/8/2015</a:t>
+              <a:t>12/9/2015</a:t>
             </a:fld>
             <a:endParaRPr lang="en-US"/>
           </a:p>
@@ -1957,7 +1958,7 @@
             <a:fld id="{1D8BD707-D9CF-40AE-B4C6-C98DA3205C09}" type="datetimeFigureOut">
               <a:rPr lang="en-US" smtClean="0"/>
               <a:pPr/>
-              <a:t>12/8/2015</a:t>
+              <a:t>12/9/2015</a:t>
             </a:fld>
             <a:endParaRPr lang="en-US"/>
           </a:p>
@@ -2231,7 +2232,7 @@
             <a:fld id="{1D8BD707-D9CF-40AE-B4C6-C98DA3205C09}" type="datetimeFigureOut">
               <a:rPr lang="en-US" smtClean="0"/>
               <a:pPr/>
-              <a:t>12/8/2015</a:t>
+              <a:t>12/9/2015</a:t>
             </a:fld>
             <a:endParaRPr lang="en-US"/>
           </a:p>
@@ -2481,7 +2482,7 @@
             <a:fld id="{1D8BD707-D9CF-40AE-B4C6-C98DA3205C09}" type="datetimeFigureOut">
               <a:rPr lang="en-US" smtClean="0"/>
               <a:pPr/>
-              <a:t>12/8/2015</a:t>
+              <a:t>12/9/2015</a:t>
             </a:fld>
             <a:endParaRPr lang="en-US"/>
           </a:p>
@@ -2691,7 +2692,7 @@
             <a:fld id="{1D8BD707-D9CF-40AE-B4C6-C98DA3205C09}" type="datetimeFigureOut">
               <a:rPr lang="en-US" smtClean="0"/>
               <a:pPr/>
-              <a:t>12/8/2015</a:t>
+              <a:t>12/9/2015</a:t>
             </a:fld>
             <a:endParaRPr lang="en-US"/>
           </a:p>
@@ -3062,6 +3063,74 @@
           <a:chExt cx="0" cy="0"/>
         </a:xfrm>
       </p:grpSpPr>
+      <p:sp>
+        <p:nvSpPr>
+          <p:cNvPr id="2" name="Title 1"/>
+          <p:cNvSpPr>
+            <a:spLocks noGrp="1"/>
+          </p:cNvSpPr>
+          <p:nvPr>
+            <p:ph type="ctrTitle"/>
+          </p:nvPr>
+        </p:nvSpPr>
+        <p:spPr/>
+        <p:txBody>
+          <a:bodyPr/>
+          <a:lstStyle/>
+          <a:p>
+            <a:endParaRPr lang="vi-VN"/>
+          </a:p>
+        </p:txBody>
+      </p:sp>
+      <p:sp>
+        <p:nvSpPr>
+          <p:cNvPr id="3" name="Subtitle 2"/>
+          <p:cNvSpPr>
+            <a:spLocks noGrp="1"/>
+          </p:cNvSpPr>
+          <p:nvPr>
+            <p:ph type="subTitle" idx="1"/>
+          </p:nvPr>
+        </p:nvSpPr>
+        <p:spPr/>
+        <p:txBody>
+          <a:bodyPr/>
+          <a:lstStyle/>
+          <a:p>
+            <a:endParaRPr lang="vi-VN"/>
+          </a:p>
+        </p:txBody>
+      </p:sp>
+    </p:spTree>
+    <p:extLst>
+      <p:ext uri="{BB962C8B-B14F-4D97-AF65-F5344CB8AC3E}">
+        <p14:creationId xmlns:p14="http://schemas.microsoft.com/office/powerpoint/2010/main" val="265728367"/>
+      </p:ext>
+    </p:extLst>
+  </p:cSld>
+  <p:clrMapOvr>
+    <a:masterClrMapping/>
+  </p:clrMapOvr>
+</p:sld>
+</file>
+
+<file path=ppt/slides/slide2.xml><?xml version="1.0" encoding="utf-8"?>
+<p:sld xmlns:a="http://schemas.openxmlformats.org/drawingml/2006/main" xmlns:r="http://schemas.openxmlformats.org/officeDocument/2006/relationships" xmlns:p="http://schemas.openxmlformats.org/presentationml/2006/main">
+  <p:cSld>
+    <p:spTree>
+      <p:nvGrpSpPr>
+        <p:cNvPr id="1" name=""/>
+        <p:cNvGrpSpPr/>
+        <p:nvPr/>
+      </p:nvGrpSpPr>
+      <p:grpSpPr>
+        <a:xfrm>
+          <a:off x="0" y="0"/>
+          <a:ext cx="0" cy="0"/>
+          <a:chOff x="0" y="0"/>
+          <a:chExt cx="0" cy="0"/>
+        </a:xfrm>
+      </p:grpSpPr>
       <p:pic>
         <p:nvPicPr>
           <p:cNvPr id="6" name="Picture 5"/>
@@ -3142,7 +3211,7 @@
 </p:sld>
 </file>
 
-<file path=ppt/slides/slide2.xml><?xml version="1.0" encoding="utf-8"?>
+<file path=ppt/slides/slide3.xml><?xml version="1.0" encoding="utf-8"?>
 <p:sld xmlns:a="http://schemas.openxmlformats.org/drawingml/2006/main" xmlns:r="http://schemas.openxmlformats.org/officeDocument/2006/relationships" xmlns:p="http://schemas.openxmlformats.org/presentationml/2006/main">
   <p:cSld>
     <p:spTree>
@@ -3721,7 +3790,7 @@
 </p:sld>
 </file>
 
-<file path=ppt/slides/slide3.xml><?xml version="1.0" encoding="utf-8"?>
+<file path=ppt/slides/slide4.xml><?xml version="1.0" encoding="utf-8"?>
 <p:sld xmlns:a="http://schemas.openxmlformats.org/drawingml/2006/main" xmlns:r="http://schemas.openxmlformats.org/officeDocument/2006/relationships" xmlns:p="http://schemas.openxmlformats.org/presentationml/2006/main">
   <p:cSld>
     <p:spTree>
@@ -4166,11 +4235,6 @@
                 </a:rPr>
                 <a:t>1</a:t>
               </a:r>
-              <a:endParaRPr lang="vi-VN" dirty="0" smtClean="0">
-                <a:solidFill>
-                  <a:srgbClr val="00B050"/>
-                </a:solidFill>
-              </a:endParaRPr>
             </a:p>
             <a:p>
               <a:pPr lvl="0" rtl="0">
@@ -4180,7 +4244,11 @@
                 <a:buNone/>
               </a:pPr>
               <a:r>
-                <a:rPr lang="vi-VN" dirty="0" smtClean="0"/>
+                <a:rPr lang="vi-VN" dirty="0" smtClean="0">
+                  <a:solidFill>
+                    <a:srgbClr val="00B0F0"/>
+                  </a:solidFill>
+                </a:rPr>
                 <a:t>UUID</a:t>
               </a:r>
             </a:p>
@@ -4192,7 +4260,11 @@
                 <a:buNone/>
               </a:pPr>
               <a:r>
-                <a:rPr lang="vi-VN" dirty="0" smtClean="0"/>
+                <a:rPr lang="vi-VN" dirty="0" smtClean="0">
+                  <a:solidFill>
+                    <a:srgbClr val="00B0F0"/>
+                  </a:solidFill>
+                </a:rPr>
                 <a:t>PositionHaveValue</a:t>
               </a:r>
             </a:p>
@@ -4204,7 +4276,11 @@
                 <a:buNone/>
               </a:pPr>
               <a:r>
-                <a:rPr lang="vi-VN" dirty="0" smtClean="0"/>
+                <a:rPr lang="vi-VN" dirty="0" smtClean="0">
+                  <a:solidFill>
+                    <a:srgbClr val="00B050"/>
+                  </a:solidFill>
+                </a:rPr>
                 <a:t>PositionOfFormula</a:t>
               </a:r>
             </a:p>
@@ -4562,7 +4638,7 @@
 </p:sld>
 </file>
 
-<file path=ppt/slides/slide4.xml><?xml version="1.0" encoding="utf-8"?>
+<file path=ppt/slides/slide5.xml><?xml version="1.0" encoding="utf-8"?>
 <p:sld xmlns:a="http://schemas.openxmlformats.org/drawingml/2006/main" xmlns:r="http://schemas.openxmlformats.org/officeDocument/2006/relationships" xmlns:p="http://schemas.openxmlformats.org/presentationml/2006/main">
   <p:cSld>
     <p:spTree>

--- a/docs/Temperature Presentation/Quy/SetupDevice/ReadDataFromWristband.pptx
+++ b/docs/Temperature Presentation/Quy/SetupDevice/ReadDataFromWristband.pptx
@@ -5,10 +5,17 @@
     <p:sldMasterId id="2147483648" r:id="rId1"/>
   </p:sldMasterIdLst>
   <p:sldIdLst>
-    <p:sldId id="274" r:id="rId2"/>
-    <p:sldId id="271" r:id="rId3"/>
-    <p:sldId id="272" r:id="rId4"/>
-    <p:sldId id="273" r:id="rId5"/>
+    <p:sldId id="257" r:id="rId2"/>
+    <p:sldId id="259" r:id="rId3"/>
+    <p:sldId id="260" r:id="rId4"/>
+    <p:sldId id="261" r:id="rId5"/>
+    <p:sldId id="262" r:id="rId6"/>
+    <p:sldId id="263" r:id="rId7"/>
+    <p:sldId id="264" r:id="rId8"/>
+    <p:sldId id="265" r:id="rId9"/>
+    <p:sldId id="266" r:id="rId10"/>
+    <p:sldId id="267" r:id="rId11"/>
+    <p:sldId id="268" r:id="rId12"/>
   </p:sldIdLst>
   <p:sldSz cx="9144000" cy="6858000" type="screen4x3"/>
   <p:notesSz cx="6858000" cy="9144000"/>
@@ -292,7 +299,7 @@
             <a:fld id="{1D8BD707-D9CF-40AE-B4C6-C98DA3205C09}" type="datetimeFigureOut">
               <a:rPr lang="en-US" smtClean="0"/>
               <a:pPr/>
-              <a:t>12/9/2015</a:t>
+              <a:t>12/10/2015</a:t>
             </a:fld>
             <a:endParaRPr lang="en-US"/>
           </a:p>
@@ -459,7 +466,7 @@
             <a:fld id="{1D8BD707-D9CF-40AE-B4C6-C98DA3205C09}" type="datetimeFigureOut">
               <a:rPr lang="en-US" smtClean="0"/>
               <a:pPr/>
-              <a:t>12/9/2015</a:t>
+              <a:t>12/10/2015</a:t>
             </a:fld>
             <a:endParaRPr lang="en-US"/>
           </a:p>
@@ -636,7 +643,7 @@
             <a:fld id="{1D8BD707-D9CF-40AE-B4C6-C98DA3205C09}" type="datetimeFigureOut">
               <a:rPr lang="en-US" smtClean="0"/>
               <a:pPr/>
-              <a:t>12/9/2015</a:t>
+              <a:t>12/10/2015</a:t>
             </a:fld>
             <a:endParaRPr lang="en-US"/>
           </a:p>
@@ -803,7 +810,7 @@
             <a:fld id="{1D8BD707-D9CF-40AE-B4C6-C98DA3205C09}" type="datetimeFigureOut">
               <a:rPr lang="en-US" smtClean="0"/>
               <a:pPr/>
-              <a:t>12/9/2015</a:t>
+              <a:t>12/10/2015</a:t>
             </a:fld>
             <a:endParaRPr lang="en-US"/>
           </a:p>
@@ -1046,7 +1053,7 @@
             <a:fld id="{1D8BD707-D9CF-40AE-B4C6-C98DA3205C09}" type="datetimeFigureOut">
               <a:rPr lang="en-US" smtClean="0"/>
               <a:pPr/>
-              <a:t>12/9/2015</a:t>
+              <a:t>12/10/2015</a:t>
             </a:fld>
             <a:endParaRPr lang="en-US"/>
           </a:p>
@@ -1331,7 +1338,7 @@
             <a:fld id="{1D8BD707-D9CF-40AE-B4C6-C98DA3205C09}" type="datetimeFigureOut">
               <a:rPr lang="en-US" smtClean="0"/>
               <a:pPr/>
-              <a:t>12/9/2015</a:t>
+              <a:t>12/10/2015</a:t>
             </a:fld>
             <a:endParaRPr lang="en-US"/>
           </a:p>
@@ -1750,7 +1757,7 @@
             <a:fld id="{1D8BD707-D9CF-40AE-B4C6-C98DA3205C09}" type="datetimeFigureOut">
               <a:rPr lang="en-US" smtClean="0"/>
               <a:pPr/>
-              <a:t>12/9/2015</a:t>
+              <a:t>12/10/2015</a:t>
             </a:fld>
             <a:endParaRPr lang="en-US"/>
           </a:p>
@@ -1865,7 +1872,7 @@
             <a:fld id="{1D8BD707-D9CF-40AE-B4C6-C98DA3205C09}" type="datetimeFigureOut">
               <a:rPr lang="en-US" smtClean="0"/>
               <a:pPr/>
-              <a:t>12/9/2015</a:t>
+              <a:t>12/10/2015</a:t>
             </a:fld>
             <a:endParaRPr lang="en-US"/>
           </a:p>
@@ -1957,7 +1964,7 @@
             <a:fld id="{1D8BD707-D9CF-40AE-B4C6-C98DA3205C09}" type="datetimeFigureOut">
               <a:rPr lang="en-US" smtClean="0"/>
               <a:pPr/>
-              <a:t>12/9/2015</a:t>
+              <a:t>12/10/2015</a:t>
             </a:fld>
             <a:endParaRPr lang="en-US"/>
           </a:p>
@@ -2231,7 +2238,7 @@
             <a:fld id="{1D8BD707-D9CF-40AE-B4C6-C98DA3205C09}" type="datetimeFigureOut">
               <a:rPr lang="en-US" smtClean="0"/>
               <a:pPr/>
-              <a:t>12/9/2015</a:t>
+              <a:t>12/10/2015</a:t>
             </a:fld>
             <a:endParaRPr lang="en-US"/>
           </a:p>
@@ -2481,7 +2488,7 @@
             <a:fld id="{1D8BD707-D9CF-40AE-B4C6-C98DA3205C09}" type="datetimeFigureOut">
               <a:rPr lang="en-US" smtClean="0"/>
               <a:pPr/>
-              <a:t>12/9/2015</a:t>
+              <a:t>12/10/2015</a:t>
             </a:fld>
             <a:endParaRPr lang="en-US"/>
           </a:p>
@@ -2691,7 +2698,7 @@
             <a:fld id="{1D8BD707-D9CF-40AE-B4C6-C98DA3205C09}" type="datetimeFigureOut">
               <a:rPr lang="en-US" smtClean="0"/>
               <a:pPr/>
-              <a:t>12/9/2015</a:t>
+              <a:t>12/10/2015</a:t>
             </a:fld>
             <a:endParaRPr lang="en-US"/>
           </a:p>
@@ -3062,16 +3069,37 @@
           <a:chExt cx="0" cy="0"/>
         </a:xfrm>
       </p:grpSpPr>
+      <p:sp>
+        <p:nvSpPr>
+          <p:cNvPr id="2" name="Title 1"/>
+          <p:cNvSpPr>
+            <a:spLocks noGrp="1"/>
+          </p:cNvSpPr>
+          <p:nvPr>
+            <p:ph type="title"/>
+          </p:nvPr>
+        </p:nvSpPr>
+        <p:spPr/>
+        <p:txBody>
+          <a:bodyPr/>
+          <a:lstStyle/>
+          <a:p>
+            <a:endParaRPr lang="vi-VN"/>
+          </a:p>
+        </p:txBody>
+      </p:sp>
       <p:pic>
         <p:nvPicPr>
-          <p:cNvPr id="6" name="Picture 5"/>
+          <p:cNvPr id="4" name="Content Placeholder 3"/>
           <p:cNvPicPr>
-            <a:picLocks noChangeAspect="1"/>
+            <a:picLocks noGrp="1" noChangeAspect="1"/>
           </p:cNvPicPr>
-          <p:nvPr/>
+          <p:nvPr>
+            <p:ph idx="1"/>
+          </p:nvPr>
         </p:nvPicPr>
         <p:blipFill>
-          <a:blip r:embed="rId2">
+          <a:blip r:embed="rId2" cstate="print">
             <a:extLst>
               <a:ext uri="{28A0092B-C50C-407E-A947-70E740481C1C}">
                 <a14:useLocalDpi xmlns:a14="http://schemas.microsoft.com/office/drawing/2010/main" val="0"/>
@@ -3084,24 +3112,72 @@
         </p:blipFill>
         <p:spPr>
           <a:xfrm>
-            <a:off x="152400" y="1524000"/>
-            <a:ext cx="6076950" cy="4562475"/>
+            <a:off x="2309018" y="1600200"/>
+            <a:ext cx="4525963" cy="4525963"/>
           </a:xfrm>
-          <a:prstGeom prst="rect">
-            <a:avLst/>
-          </a:prstGeom>
         </p:spPr>
       </p:pic>
+    </p:spTree>
+    <p:extLst>
+      <p:ext uri="{BB962C8B-B14F-4D97-AF65-F5344CB8AC3E}">
+        <p14:creationId xmlns:p14="http://schemas.microsoft.com/office/powerpoint/2010/main" val="2103936813"/>
+      </p:ext>
+    </p:extLst>
+  </p:cSld>
+  <p:clrMapOvr>
+    <a:masterClrMapping/>
+  </p:clrMapOvr>
+</p:sld>
+</file>
+
+<file path=ppt/slides/slide10.xml><?xml version="1.0" encoding="utf-8"?>
+<p:sld xmlns:a="http://schemas.openxmlformats.org/drawingml/2006/main" xmlns:r="http://schemas.openxmlformats.org/officeDocument/2006/relationships" xmlns:p="http://schemas.openxmlformats.org/presentationml/2006/main">
+  <p:cSld>
+    <p:spTree>
+      <p:nvGrpSpPr>
+        <p:cNvPr id="1" name=""/>
+        <p:cNvGrpSpPr/>
+        <p:nvPr/>
+      </p:nvGrpSpPr>
+      <p:grpSpPr>
+        <a:xfrm>
+          <a:off x="0" y="0"/>
+          <a:ext cx="0" cy="0"/>
+          <a:chOff x="0" y="0"/>
+          <a:chExt cx="0" cy="0"/>
+        </a:xfrm>
+      </p:grpSpPr>
+      <p:sp>
+        <p:nvSpPr>
+          <p:cNvPr id="2" name="Title 1"/>
+          <p:cNvSpPr>
+            <a:spLocks noGrp="1"/>
+          </p:cNvSpPr>
+          <p:nvPr>
+            <p:ph type="title"/>
+          </p:nvPr>
+        </p:nvSpPr>
+        <p:spPr/>
+        <p:txBody>
+          <a:bodyPr/>
+          <a:lstStyle/>
+          <a:p>
+            <a:endParaRPr lang="vi-VN"/>
+          </a:p>
+        </p:txBody>
+      </p:sp>
       <p:pic>
         <p:nvPicPr>
-          <p:cNvPr id="7" name="Picture 6"/>
+          <p:cNvPr id="4" name="Content Placeholder 3"/>
           <p:cNvPicPr>
-            <a:picLocks noChangeAspect="1"/>
+            <a:picLocks noGrp="1" noChangeAspect="1"/>
           </p:cNvPicPr>
-          <p:nvPr/>
+          <p:nvPr>
+            <p:ph idx="1"/>
+          </p:nvPr>
         </p:nvPicPr>
         <p:blipFill>
-          <a:blip r:embed="rId3" cstate="print">
+          <a:blip r:embed="rId2" cstate="print">
             <a:extLst>
               <a:ext uri="{28A0092B-C50C-407E-A947-70E740481C1C}">
                 <a14:useLocalDpi xmlns:a14="http://schemas.microsoft.com/office/drawing/2010/main" val="0"/>
@@ -3114,31 +3190,99 @@
         </p:blipFill>
         <p:spPr>
           <a:xfrm>
-            <a:off x="6324600" y="2780251"/>
-            <a:ext cx="2590800" cy="2049971"/>
+            <a:off x="2309018" y="1600200"/>
+            <a:ext cx="4525963" cy="4525963"/>
           </a:xfrm>
-          <a:prstGeom prst="rect">
-            <a:avLst/>
-          </a:prstGeom>
         </p:spPr>
       </p:pic>
     </p:spTree>
     <p:extLst>
       <p:ext uri="{BB962C8B-B14F-4D97-AF65-F5344CB8AC3E}">
-        <p14:creationId xmlns:p14="http://schemas.microsoft.com/office/powerpoint/2010/main" val="2706795220"/>
+        <p14:creationId xmlns:p14="http://schemas.microsoft.com/office/powerpoint/2010/main" val="3602024858"/>
       </p:ext>
     </p:extLst>
   </p:cSld>
   <p:clrMapOvr>
     <a:masterClrMapping/>
   </p:clrMapOvr>
-  <p:timing>
-    <p:tnLst>
-      <p:par>
-        <p:cTn id="1" dur="indefinite" restart="never" nodeType="tmRoot"/>
-      </p:par>
-    </p:tnLst>
-  </p:timing>
+</p:sld>
+</file>
+
+<file path=ppt/slides/slide11.xml><?xml version="1.0" encoding="utf-8"?>
+<p:sld xmlns:a="http://schemas.openxmlformats.org/drawingml/2006/main" xmlns:r="http://schemas.openxmlformats.org/officeDocument/2006/relationships" xmlns:p="http://schemas.openxmlformats.org/presentationml/2006/main">
+  <p:cSld>
+    <p:spTree>
+      <p:nvGrpSpPr>
+        <p:cNvPr id="1" name=""/>
+        <p:cNvGrpSpPr/>
+        <p:nvPr/>
+      </p:nvGrpSpPr>
+      <p:grpSpPr>
+        <a:xfrm>
+          <a:off x="0" y="0"/>
+          <a:ext cx="0" cy="0"/>
+          <a:chOff x="0" y="0"/>
+          <a:chExt cx="0" cy="0"/>
+        </a:xfrm>
+      </p:grpSpPr>
+      <p:sp>
+        <p:nvSpPr>
+          <p:cNvPr id="2" name="Title 1"/>
+          <p:cNvSpPr>
+            <a:spLocks noGrp="1"/>
+          </p:cNvSpPr>
+          <p:nvPr>
+            <p:ph type="title"/>
+          </p:nvPr>
+        </p:nvSpPr>
+        <p:spPr/>
+        <p:txBody>
+          <a:bodyPr/>
+          <a:lstStyle/>
+          <a:p>
+            <a:endParaRPr lang="vi-VN"/>
+          </a:p>
+        </p:txBody>
+      </p:sp>
+      <p:pic>
+        <p:nvPicPr>
+          <p:cNvPr id="4" name="Content Placeholder 3"/>
+          <p:cNvPicPr>
+            <a:picLocks noGrp="1" noChangeAspect="1"/>
+          </p:cNvPicPr>
+          <p:nvPr>
+            <p:ph idx="1"/>
+          </p:nvPr>
+        </p:nvPicPr>
+        <p:blipFill>
+          <a:blip r:embed="rId2" cstate="print">
+            <a:extLst>
+              <a:ext uri="{28A0092B-C50C-407E-A947-70E740481C1C}">
+                <a14:useLocalDpi xmlns:a14="http://schemas.microsoft.com/office/drawing/2010/main" val="0"/>
+              </a:ext>
+            </a:extLst>
+          </a:blip>
+          <a:stretch>
+            <a:fillRect/>
+          </a:stretch>
+        </p:blipFill>
+        <p:spPr>
+          <a:xfrm>
+            <a:off x="2309018" y="1600200"/>
+            <a:ext cx="4525963" cy="4525963"/>
+          </a:xfrm>
+        </p:spPr>
+      </p:pic>
+    </p:spTree>
+    <p:extLst>
+      <p:ext uri="{BB962C8B-B14F-4D97-AF65-F5344CB8AC3E}">
+        <p14:creationId xmlns:p14="http://schemas.microsoft.com/office/powerpoint/2010/main" val="3703724247"/>
+      </p:ext>
+    </p:extLst>
+  </p:cSld>
+  <p:clrMapOvr>
+    <a:masterClrMapping/>
+  </p:clrMapOvr>
 </p:sld>
 </file>
 
@@ -3159,15 +3303,36 @@
           <a:chExt cx="0" cy="0"/>
         </a:xfrm>
       </p:grpSpPr>
+      <p:sp>
+        <p:nvSpPr>
+          <p:cNvPr id="2" name="Title 1"/>
+          <p:cNvSpPr>
+            <a:spLocks noGrp="1"/>
+          </p:cNvSpPr>
+          <p:nvPr>
+            <p:ph type="title"/>
+          </p:nvPr>
+        </p:nvSpPr>
+        <p:spPr/>
+        <p:txBody>
+          <a:bodyPr/>
+          <a:lstStyle/>
+          <a:p>
+            <a:endParaRPr lang="vi-VN"/>
+          </a:p>
+        </p:txBody>
+      </p:sp>
       <p:pic>
         <p:nvPicPr>
-          <p:cNvPr id="4" name="Picture 2" descr="C:\Users\QUYHKSE61160\Desktop\Screenshot_2015-11-21-15-21-32.jpg"/>
+          <p:cNvPr id="4" name="Content Placeholder 3"/>
           <p:cNvPicPr>
-            <a:picLocks noChangeAspect="1" noChangeArrowheads="1"/>
+            <a:picLocks noGrp="1" noChangeAspect="1"/>
           </p:cNvPicPr>
-          <p:nvPr/>
+          <p:nvPr>
+            <p:ph idx="1"/>
+          </p:nvPr>
         </p:nvPicPr>
-        <p:blipFill rotWithShape="1">
+        <p:blipFill>
           <a:blip r:embed="rId2" cstate="print">
             <a:extLst>
               <a:ext uri="{28A0092B-C50C-407E-A947-70E740481C1C}">
@@ -3175,549 +3340,27 @@
               </a:ext>
             </a:extLst>
           </a:blip>
-          <a:srcRect t="14088"/>
-          <a:stretch/>
+          <a:stretch>
+            <a:fillRect/>
+          </a:stretch>
         </p:blipFill>
-        <p:spPr bwMode="auto">
+        <p:spPr>
           <a:xfrm>
-            <a:off x="5410200" y="1907709"/>
-            <a:ext cx="2590800" cy="3956981"/>
+            <a:off x="2309018" y="1600200"/>
+            <a:ext cx="4525963" cy="4525963"/>
           </a:xfrm>
-          <a:prstGeom prst="rect">
-            <a:avLst/>
-          </a:prstGeom>
-          <a:noFill/>
-          <a:extLst>
-            <a:ext uri="{909E8E84-426E-40DD-AFC4-6F175D3DCCD1}">
-              <a14:hiddenFill xmlns:a14="http://schemas.microsoft.com/office/drawing/2010/main">
-                <a:solidFill>
-                  <a:srgbClr val="FFFFFF"/>
-                </a:solidFill>
-              </a14:hiddenFill>
-            </a:ext>
-          </a:extLst>
         </p:spPr>
       </p:pic>
-      <p:grpSp>
-        <p:nvGrpSpPr>
-          <p:cNvPr id="5" name="Shape 688"/>
-          <p:cNvGrpSpPr/>
-          <p:nvPr/>
-        </p:nvGrpSpPr>
-        <p:grpSpPr>
-          <a:xfrm>
-            <a:off x="914400" y="895487"/>
-            <a:ext cx="1814399" cy="989424"/>
-            <a:chOff x="4336150" y="2394850"/>
-            <a:chExt cx="1814399" cy="989424"/>
-          </a:xfrm>
-        </p:grpSpPr>
-        <p:sp>
-          <p:nvSpPr>
-            <p:cNvPr id="6" name="Shape 689"/>
-            <p:cNvSpPr/>
-            <p:nvPr/>
-          </p:nvSpPr>
-          <p:spPr>
-            <a:xfrm>
-              <a:off x="4336150" y="2708975"/>
-              <a:ext cx="1814399" cy="675299"/>
-            </a:xfrm>
-            <a:prstGeom prst="rect">
-              <a:avLst/>
-            </a:prstGeom>
-            <a:solidFill>
-              <a:schemeClr val="lt2"/>
-            </a:solidFill>
-            <a:ln w="19050" cap="flat" cmpd="sng">
-              <a:solidFill>
-                <a:schemeClr val="dk2"/>
-              </a:solidFill>
-              <a:prstDash val="solid"/>
-              <a:round/>
-              <a:headEnd type="none" w="med" len="med"/>
-              <a:tailEnd type="none" w="med" len="med"/>
-            </a:ln>
-          </p:spPr>
-          <p:txBody>
-            <a:bodyPr lIns="91425" tIns="91425" rIns="91425" bIns="91425" anchor="t" anchorCtr="0">
-              <a:noAutofit/>
-            </a:bodyPr>
-            <a:lstStyle/>
-            <a:p>
-              <a:pPr lvl="0" rtl="0">
-                <a:spcBef>
-                  <a:spcPts val="0"/>
-                </a:spcBef>
-                <a:buNone/>
-              </a:pPr>
-              <a:r>
-                <a:rPr lang="en" dirty="0" smtClean="0"/>
-                <a:t>ID</a:t>
-              </a:r>
-              <a:endParaRPr lang="en" dirty="0"/>
-            </a:p>
-            <a:p>
-              <a:pPr lvl="0" rtl="0">
-                <a:spcBef>
-                  <a:spcPts val="0"/>
-                </a:spcBef>
-                <a:buNone/>
-              </a:pPr>
-              <a:r>
-                <a:rPr lang="en" dirty="0"/>
-                <a:t>...</a:t>
-              </a:r>
-            </a:p>
-          </p:txBody>
-        </p:sp>
-        <p:sp>
-          <p:nvSpPr>
-            <p:cNvPr id="7" name="Shape 690"/>
-            <p:cNvSpPr/>
-            <p:nvPr/>
-          </p:nvSpPr>
-          <p:spPr>
-            <a:xfrm>
-              <a:off x="4336150" y="2394850"/>
-              <a:ext cx="1814399" cy="362999"/>
-            </a:xfrm>
-            <a:prstGeom prst="rect">
-              <a:avLst/>
-            </a:prstGeom>
-            <a:solidFill>
-              <a:schemeClr val="lt2"/>
-            </a:solidFill>
-            <a:ln w="19050" cap="flat" cmpd="sng">
-              <a:solidFill>
-                <a:schemeClr val="dk2"/>
-              </a:solidFill>
-              <a:prstDash val="solid"/>
-              <a:round/>
-              <a:headEnd type="none" w="med" len="med"/>
-              <a:tailEnd type="none" w="med" len="med"/>
-            </a:ln>
-          </p:spPr>
-          <p:txBody>
-            <a:bodyPr lIns="91425" tIns="91425" rIns="91425" bIns="91425" anchor="ctr" anchorCtr="0">
-              <a:noAutofit/>
-            </a:bodyPr>
-            <a:lstStyle/>
-            <a:p>
-              <a:pPr lvl="0" rtl="0">
-                <a:spcBef>
-                  <a:spcPts val="0"/>
-                </a:spcBef>
-                <a:buNone/>
-              </a:pPr>
-              <a:r>
-                <a:rPr lang="en" b="1" dirty="0" smtClean="0"/>
-                <a:t>Device</a:t>
-              </a:r>
-              <a:endParaRPr lang="en" b="1" dirty="0"/>
-            </a:p>
-          </p:txBody>
-        </p:sp>
-      </p:grpSp>
-      <p:grpSp>
-        <p:nvGrpSpPr>
-          <p:cNvPr id="8" name="Shape 688"/>
-          <p:cNvGrpSpPr/>
-          <p:nvPr/>
-        </p:nvGrpSpPr>
-        <p:grpSpPr>
-          <a:xfrm>
-            <a:off x="762000" y="4380912"/>
-            <a:ext cx="2133600" cy="1943688"/>
-            <a:chOff x="4336150" y="2394850"/>
-            <a:chExt cx="1814399" cy="989424"/>
-          </a:xfrm>
-        </p:grpSpPr>
-        <p:sp>
-          <p:nvSpPr>
-            <p:cNvPr id="9" name="Shape 689"/>
-            <p:cNvSpPr/>
-            <p:nvPr/>
-          </p:nvSpPr>
-          <p:spPr>
-            <a:xfrm>
-              <a:off x="4336150" y="2708975"/>
-              <a:ext cx="1814399" cy="675299"/>
-            </a:xfrm>
-            <a:prstGeom prst="rect">
-              <a:avLst/>
-            </a:prstGeom>
-            <a:solidFill>
-              <a:schemeClr val="lt2"/>
-            </a:solidFill>
-            <a:ln w="19050" cap="flat" cmpd="sng">
-              <a:solidFill>
-                <a:schemeClr val="dk2"/>
-              </a:solidFill>
-              <a:prstDash val="solid"/>
-              <a:round/>
-              <a:headEnd type="none" w="med" len="med"/>
-              <a:tailEnd type="none" w="med" len="med"/>
-            </a:ln>
-          </p:spPr>
-          <p:txBody>
-            <a:bodyPr lIns="91425" tIns="91425" rIns="91425" bIns="91425" anchor="t" anchorCtr="0">
-              <a:noAutofit/>
-            </a:bodyPr>
-            <a:lstStyle/>
-            <a:p>
-              <a:pPr lvl="0" rtl="0">
-                <a:spcBef>
-                  <a:spcPts val="0"/>
-                </a:spcBef>
-                <a:buNone/>
-              </a:pPr>
-              <a:r>
-                <a:rPr lang="en" dirty="0" smtClean="0"/>
-                <a:t>ID</a:t>
-              </a:r>
-              <a:endParaRPr lang="en" dirty="0"/>
-            </a:p>
-            <a:p>
-              <a:pPr lvl="0" rtl="0">
-                <a:spcBef>
-                  <a:spcPts val="0"/>
-                </a:spcBef>
-                <a:buNone/>
-              </a:pPr>
-              <a:r>
-                <a:rPr lang="en" dirty="0" smtClean="0"/>
-                <a:t>PositionHaveValue</a:t>
-              </a:r>
-            </a:p>
-            <a:p>
-              <a:pPr lvl="0" rtl="0">
-                <a:spcBef>
-                  <a:spcPts val="0"/>
-                </a:spcBef>
-                <a:buNone/>
-              </a:pPr>
-              <a:r>
-                <a:rPr lang="en" dirty="0" smtClean="0"/>
-                <a:t>UUID</a:t>
-              </a:r>
-            </a:p>
-          </p:txBody>
-        </p:sp>
-        <p:sp>
-          <p:nvSpPr>
-            <p:cNvPr id="10" name="Shape 690"/>
-            <p:cNvSpPr/>
-            <p:nvPr/>
-          </p:nvSpPr>
-          <p:spPr>
-            <a:xfrm>
-              <a:off x="4336150" y="2394850"/>
-              <a:ext cx="1814399" cy="362999"/>
-            </a:xfrm>
-            <a:prstGeom prst="rect">
-              <a:avLst/>
-            </a:prstGeom>
-            <a:solidFill>
-              <a:schemeClr val="lt2"/>
-            </a:solidFill>
-            <a:ln w="19050" cap="flat" cmpd="sng">
-              <a:solidFill>
-                <a:schemeClr val="dk2"/>
-              </a:solidFill>
-              <a:prstDash val="solid"/>
-              <a:round/>
-              <a:headEnd type="none" w="med" len="med"/>
-              <a:tailEnd type="none" w="med" len="med"/>
-            </a:ln>
-          </p:spPr>
-          <p:txBody>
-            <a:bodyPr lIns="91425" tIns="91425" rIns="91425" bIns="91425" anchor="ctr" anchorCtr="0">
-              <a:noAutofit/>
-            </a:bodyPr>
-            <a:lstStyle/>
-            <a:p>
-              <a:pPr lvl="0" rtl="0">
-                <a:spcBef>
-                  <a:spcPts val="0"/>
-                </a:spcBef>
-                <a:buNone/>
-              </a:pPr>
-              <a:r>
-                <a:rPr lang="en" b="1" dirty="0" smtClean="0"/>
-                <a:t>ParamMeasurement</a:t>
-              </a:r>
-              <a:endParaRPr lang="en" b="1" dirty="0"/>
-            </a:p>
-          </p:txBody>
-        </p:sp>
-      </p:grpSp>
-      <p:pic>
-        <p:nvPicPr>
-          <p:cNvPr id="11" name="Picture 3" descr="C:\Users\QUYHKSE61160\Desktop\Screenshot_2015-11-22-11-32-43.jpg"/>
-          <p:cNvPicPr>
-            <a:picLocks noChangeAspect="1" noChangeArrowheads="1"/>
-          </p:cNvPicPr>
-          <p:nvPr/>
-        </p:nvPicPr>
-        <p:blipFill rotWithShape="1">
-          <a:blip r:embed="rId3" cstate="print">
-            <a:extLst>
-              <a:ext uri="{28A0092B-C50C-407E-A947-70E740481C1C}">
-                <a14:useLocalDpi xmlns:a14="http://schemas.microsoft.com/office/drawing/2010/main" val="0"/>
-              </a:ext>
-            </a:extLst>
-          </a:blip>
-          <a:srcRect b="86779"/>
-          <a:stretch/>
-        </p:blipFill>
-        <p:spPr bwMode="auto">
-          <a:xfrm>
-            <a:off x="5410200" y="1297494"/>
-            <a:ext cx="2590800" cy="632472"/>
-          </a:xfrm>
-          <a:prstGeom prst="rect">
-            <a:avLst/>
-          </a:prstGeom>
-          <a:noFill/>
-          <a:extLst>
-            <a:ext uri="{909E8E84-426E-40DD-AFC4-6F175D3DCCD1}">
-              <a14:hiddenFill xmlns:a14="http://schemas.microsoft.com/office/drawing/2010/main">
-                <a:solidFill>
-                  <a:srgbClr val="FFFFFF"/>
-                </a:solidFill>
-              </a14:hiddenFill>
-            </a:ext>
-          </a:extLst>
-        </p:spPr>
-      </p:pic>
-      <p:sp>
-        <p:nvSpPr>
-          <p:cNvPr id="14" name="TextBox 13"/>
-          <p:cNvSpPr txBox="1"/>
-          <p:nvPr/>
-        </p:nvSpPr>
-        <p:spPr>
-          <a:xfrm>
-            <a:off x="1295400" y="1929966"/>
-            <a:ext cx="301686" cy="369332"/>
-          </a:xfrm>
-          <a:prstGeom prst="rect">
-            <a:avLst/>
-          </a:prstGeom>
-          <a:noFill/>
-        </p:spPr>
-        <p:txBody>
-          <a:bodyPr wrap="none" rtlCol="0">
-            <a:spAutoFit/>
-          </a:bodyPr>
-          <a:lstStyle/>
-          <a:p>
-            <a:r>
-              <a:rPr lang="en-US" dirty="0" smtClean="0">
-                <a:solidFill>
-                  <a:srgbClr val="FF0000"/>
-                </a:solidFill>
-              </a:rPr>
-              <a:t>1</a:t>
-            </a:r>
-            <a:endParaRPr lang="vi-VN" dirty="0">
-              <a:solidFill>
-                <a:srgbClr val="FF0000"/>
-              </a:solidFill>
-            </a:endParaRPr>
-          </a:p>
-        </p:txBody>
-      </p:sp>
-      <p:sp>
-        <p:nvSpPr>
-          <p:cNvPr id="15" name="TextBox 14"/>
-          <p:cNvSpPr txBox="1"/>
-          <p:nvPr/>
-        </p:nvSpPr>
-        <p:spPr>
-          <a:xfrm>
-            <a:off x="1091444" y="3898709"/>
-            <a:ext cx="532518" cy="369332"/>
-          </a:xfrm>
-          <a:prstGeom prst="rect">
-            <a:avLst/>
-          </a:prstGeom>
-          <a:noFill/>
-        </p:spPr>
-        <p:txBody>
-          <a:bodyPr wrap="none" rtlCol="0">
-            <a:spAutoFit/>
-          </a:bodyPr>
-          <a:lstStyle/>
-          <a:p>
-            <a:r>
-              <a:rPr lang="en-US" dirty="0" smtClean="0">
-                <a:solidFill>
-                  <a:srgbClr val="FF0000"/>
-                </a:solidFill>
-              </a:rPr>
-              <a:t>1..*</a:t>
-            </a:r>
-            <a:endParaRPr lang="vi-VN" dirty="0">
-              <a:solidFill>
-                <a:srgbClr val="FF0000"/>
-              </a:solidFill>
-            </a:endParaRPr>
-          </a:p>
-        </p:txBody>
-      </p:sp>
-      <p:cxnSp>
-        <p:nvCxnSpPr>
-          <p:cNvPr id="17" name="Straight Connector 16"/>
-          <p:cNvCxnSpPr>
-            <a:stCxn id="10" idx="0"/>
-            <a:endCxn id="6" idx="2"/>
-          </p:cNvCxnSpPr>
-          <p:nvPr/>
-        </p:nvCxnSpPr>
-        <p:spPr>
-          <a:xfrm flipH="1" flipV="1">
-            <a:off x="1821600" y="1884911"/>
-            <a:ext cx="7200" cy="2496001"/>
-          </a:xfrm>
-          <a:prstGeom prst="line">
-            <a:avLst/>
-          </a:prstGeom>
-        </p:spPr>
-        <p:style>
-          <a:lnRef idx="3">
-            <a:schemeClr val="accent2"/>
-          </a:lnRef>
-          <a:fillRef idx="0">
-            <a:schemeClr val="accent2"/>
-          </a:fillRef>
-          <a:effectRef idx="2">
-            <a:schemeClr val="accent2"/>
-          </a:effectRef>
-          <a:fontRef idx="minor">
-            <a:schemeClr val="tx1"/>
-          </a:fontRef>
-        </p:style>
-      </p:cxnSp>
-      <p:cxnSp>
-        <p:nvCxnSpPr>
-          <p:cNvPr id="19" name="Straight Arrow Connector 18"/>
-          <p:cNvCxnSpPr/>
-          <p:nvPr/>
-        </p:nvCxnSpPr>
-        <p:spPr>
-          <a:xfrm flipV="1">
-            <a:off x="2728799" y="4380912"/>
-            <a:ext cx="2986201" cy="1257888"/>
-          </a:xfrm>
-          <a:prstGeom prst="straightConnector1">
-            <a:avLst/>
-          </a:prstGeom>
-          <a:ln>
-            <a:tailEnd type="arrow"/>
-          </a:ln>
-        </p:spPr>
-        <p:style>
-          <a:lnRef idx="3">
-            <a:schemeClr val="accent5"/>
-          </a:lnRef>
-          <a:fillRef idx="0">
-            <a:schemeClr val="accent5"/>
-          </a:fillRef>
-          <a:effectRef idx="2">
-            <a:schemeClr val="accent5"/>
-          </a:effectRef>
-          <a:fontRef idx="minor">
-            <a:schemeClr val="tx1"/>
-          </a:fontRef>
-        </p:style>
-      </p:cxnSp>
-      <p:cxnSp>
-        <p:nvCxnSpPr>
-          <p:cNvPr id="22" name="Straight Arrow Connector 21"/>
-          <p:cNvCxnSpPr/>
-          <p:nvPr/>
-        </p:nvCxnSpPr>
-        <p:spPr>
-          <a:xfrm flipV="1">
-            <a:off x="2728799" y="2438400"/>
-            <a:ext cx="3672001" cy="2919938"/>
-          </a:xfrm>
-          <a:prstGeom prst="straightConnector1">
-            <a:avLst/>
-          </a:prstGeom>
-          <a:ln>
-            <a:tailEnd type="arrow"/>
-          </a:ln>
-        </p:spPr>
-        <p:style>
-          <a:lnRef idx="3">
-            <a:schemeClr val="accent2"/>
-          </a:lnRef>
-          <a:fillRef idx="0">
-            <a:schemeClr val="accent2"/>
-          </a:fillRef>
-          <a:effectRef idx="2">
-            <a:schemeClr val="accent2"/>
-          </a:effectRef>
-          <a:fontRef idx="minor">
-            <a:schemeClr val="tx1"/>
-          </a:fontRef>
-        </p:style>
-      </p:cxnSp>
-      <p:cxnSp>
-        <p:nvCxnSpPr>
-          <p:cNvPr id="24" name="Straight Arrow Connector 23"/>
-          <p:cNvCxnSpPr>
-            <a:endCxn id="11" idx="1"/>
-          </p:cNvCxnSpPr>
-          <p:nvPr/>
-        </p:nvCxnSpPr>
-        <p:spPr>
-          <a:xfrm>
-            <a:off x="2209800" y="1076986"/>
-            <a:ext cx="3200400" cy="536744"/>
-          </a:xfrm>
-          <a:prstGeom prst="straightConnector1">
-            <a:avLst/>
-          </a:prstGeom>
-          <a:ln>
-            <a:tailEnd type="arrow"/>
-          </a:ln>
-        </p:spPr>
-        <p:style>
-          <a:lnRef idx="3">
-            <a:schemeClr val="accent4"/>
-          </a:lnRef>
-          <a:fillRef idx="0">
-            <a:schemeClr val="accent4"/>
-          </a:fillRef>
-          <a:effectRef idx="2">
-            <a:schemeClr val="accent4"/>
-          </a:effectRef>
-          <a:fontRef idx="minor">
-            <a:schemeClr val="tx1"/>
-          </a:fontRef>
-        </p:style>
-      </p:cxnSp>
     </p:spTree>
     <p:extLst>
       <p:ext uri="{BB962C8B-B14F-4D97-AF65-F5344CB8AC3E}">
-        <p14:creationId xmlns:p14="http://schemas.microsoft.com/office/powerpoint/2010/main" val="1184013337"/>
+        <p14:creationId xmlns:p14="http://schemas.microsoft.com/office/powerpoint/2010/main" val="4051393292"/>
       </p:ext>
     </p:extLst>
   </p:cSld>
   <p:clrMapOvr>
     <a:masterClrMapping/>
   </p:clrMapOvr>
-  <p:timing>
-    <p:tnLst>
-      <p:par>
-        <p:cTn id="1" dur="indefinite" restart="never" nodeType="tmRoot"/>
-      </p:par>
-    </p:tnLst>
-  </p:timing>
 </p:sld>
 </file>
 
@@ -3738,542 +3381,36 @@
           <a:chExt cx="0" cy="0"/>
         </a:xfrm>
       </p:grpSpPr>
-      <p:grpSp>
-        <p:nvGrpSpPr>
-          <p:cNvPr id="4" name="Shape 688"/>
-          <p:cNvGrpSpPr/>
-          <p:nvPr/>
-        </p:nvGrpSpPr>
-        <p:grpSpPr>
-          <a:xfrm>
-            <a:off x="586952" y="5486400"/>
-            <a:ext cx="2483700" cy="908899"/>
-            <a:chOff x="4336150" y="2394850"/>
-            <a:chExt cx="1814399" cy="1331686"/>
-          </a:xfrm>
-        </p:grpSpPr>
-        <p:sp>
-          <p:nvSpPr>
-            <p:cNvPr id="5" name="Shape 689"/>
-            <p:cNvSpPr/>
-            <p:nvPr/>
-          </p:nvSpPr>
-          <p:spPr>
-            <a:xfrm>
-              <a:off x="4336150" y="2708975"/>
-              <a:ext cx="1814399" cy="1017561"/>
-            </a:xfrm>
-            <a:prstGeom prst="rect">
-              <a:avLst/>
-            </a:prstGeom>
-            <a:solidFill>
-              <a:schemeClr val="lt2"/>
-            </a:solidFill>
-            <a:ln w="19050" cap="flat" cmpd="sng">
-              <a:solidFill>
-                <a:schemeClr val="dk2"/>
-              </a:solidFill>
-              <a:prstDash val="solid"/>
-              <a:round/>
-              <a:headEnd type="none" w="med" len="med"/>
-              <a:tailEnd type="none" w="med" len="med"/>
-            </a:ln>
-          </p:spPr>
-          <p:txBody>
-            <a:bodyPr lIns="91425" tIns="91425" rIns="91425" bIns="91425" anchor="t" anchorCtr="0">
-              <a:noAutofit/>
-            </a:bodyPr>
-            <a:lstStyle/>
-            <a:p>
-              <a:pPr lvl="0" rtl="0">
-                <a:spcBef>
-                  <a:spcPts val="0"/>
-                </a:spcBef>
-                <a:buNone/>
-              </a:pPr>
-              <a:r>
-                <a:rPr lang="vi-VN" dirty="0" smtClean="0"/>
-                <a:t>Type </a:t>
-              </a:r>
-              <a:r>
-                <a:rPr lang="vi-VN" dirty="0" smtClean="0">
-                  <a:solidFill>
-                    <a:srgbClr val="00B050"/>
-                  </a:solidFill>
-                </a:rPr>
-                <a:t>2</a:t>
-              </a:r>
-              <a:endParaRPr lang="en" dirty="0">
-                <a:solidFill>
-                  <a:srgbClr val="00B050"/>
-                </a:solidFill>
-              </a:endParaRPr>
-            </a:p>
-            <a:p>
-              <a:pPr lvl="0" rtl="0">
-                <a:spcBef>
-                  <a:spcPts val="0"/>
-                </a:spcBef>
-                <a:buNone/>
-              </a:pPr>
-              <a:r>
-                <a:rPr lang="en" dirty="0"/>
-                <a:t>...</a:t>
-              </a:r>
-            </a:p>
-          </p:txBody>
-        </p:sp>
-        <p:sp>
-          <p:nvSpPr>
-            <p:cNvPr id="6" name="Shape 690"/>
-            <p:cNvSpPr/>
-            <p:nvPr/>
-          </p:nvSpPr>
-          <p:spPr>
-            <a:xfrm>
-              <a:off x="4336150" y="2394850"/>
-              <a:ext cx="1814399" cy="362999"/>
-            </a:xfrm>
-            <a:prstGeom prst="rect">
-              <a:avLst/>
-            </a:prstGeom>
-            <a:solidFill>
-              <a:schemeClr val="lt2"/>
-            </a:solidFill>
-            <a:ln w="19050" cap="flat" cmpd="sng">
-              <a:solidFill>
-                <a:schemeClr val="dk2"/>
-              </a:solidFill>
-              <a:prstDash val="solid"/>
-              <a:round/>
-              <a:headEnd type="none" w="med" len="med"/>
-              <a:tailEnd type="none" w="med" len="med"/>
-            </a:ln>
-          </p:spPr>
-          <p:txBody>
-            <a:bodyPr lIns="91425" tIns="91425" rIns="91425" bIns="91425" anchor="ctr" anchorCtr="0">
-              <a:noAutofit/>
-            </a:bodyPr>
-            <a:lstStyle/>
-            <a:p>
-              <a:pPr lvl="0" rtl="0">
-                <a:spcBef>
-                  <a:spcPts val="0"/>
-                </a:spcBef>
-                <a:buNone/>
-              </a:pPr>
-              <a:r>
-                <a:rPr lang="en" b="1" dirty="0" smtClean="0"/>
-                <a:t>MedicalRecordData</a:t>
-              </a:r>
-              <a:endParaRPr lang="en" b="1" dirty="0"/>
-            </a:p>
-          </p:txBody>
-        </p:sp>
-      </p:grpSp>
-      <p:grpSp>
-        <p:nvGrpSpPr>
-          <p:cNvPr id="7" name="Shape 688"/>
-          <p:cNvGrpSpPr/>
-          <p:nvPr/>
-        </p:nvGrpSpPr>
-        <p:grpSpPr>
-          <a:xfrm>
-            <a:off x="762003" y="3669630"/>
-            <a:ext cx="2133600" cy="971279"/>
-            <a:chOff x="4342274" y="2394850"/>
-            <a:chExt cx="1814399" cy="989424"/>
-          </a:xfrm>
-        </p:grpSpPr>
-        <p:sp>
-          <p:nvSpPr>
-            <p:cNvPr id="8" name="Shape 689"/>
-            <p:cNvSpPr/>
-            <p:nvPr/>
-          </p:nvSpPr>
-          <p:spPr>
-            <a:xfrm>
-              <a:off x="4342274" y="2708975"/>
-              <a:ext cx="1814399" cy="675299"/>
-            </a:xfrm>
-            <a:prstGeom prst="rect">
-              <a:avLst/>
-            </a:prstGeom>
-            <a:solidFill>
-              <a:schemeClr val="lt2"/>
-            </a:solidFill>
-            <a:ln w="19050" cap="flat" cmpd="sng">
-              <a:solidFill>
-                <a:schemeClr val="dk2"/>
-              </a:solidFill>
-              <a:prstDash val="solid"/>
-              <a:round/>
-              <a:headEnd type="none" w="med" len="med"/>
-              <a:tailEnd type="none" w="med" len="med"/>
-            </a:ln>
-          </p:spPr>
-          <p:txBody>
-            <a:bodyPr lIns="91425" tIns="91425" rIns="91425" bIns="91425" anchor="t" anchorCtr="0">
-              <a:noAutofit/>
-            </a:bodyPr>
-            <a:lstStyle/>
-            <a:p>
-              <a:pPr lvl="0" rtl="0">
-                <a:spcBef>
-                  <a:spcPts val="0"/>
-                </a:spcBef>
-                <a:buNone/>
-              </a:pPr>
-              <a:r>
-                <a:rPr lang="vi-VN" dirty="0" smtClean="0"/>
-                <a:t>Value</a:t>
-              </a:r>
-              <a:endParaRPr lang="vi-VN" dirty="0"/>
-            </a:p>
-          </p:txBody>
-        </p:sp>
-        <p:sp>
-          <p:nvSpPr>
-            <p:cNvPr id="9" name="Shape 690"/>
-            <p:cNvSpPr/>
-            <p:nvPr/>
-          </p:nvSpPr>
-          <p:spPr>
-            <a:xfrm>
-              <a:off x="4342274" y="2394850"/>
-              <a:ext cx="1814399" cy="362999"/>
-            </a:xfrm>
-            <a:prstGeom prst="rect">
-              <a:avLst/>
-            </a:prstGeom>
-            <a:solidFill>
-              <a:schemeClr val="lt2"/>
-            </a:solidFill>
-            <a:ln w="19050" cap="flat" cmpd="sng">
-              <a:solidFill>
-                <a:schemeClr val="dk2"/>
-              </a:solidFill>
-              <a:prstDash val="solid"/>
-              <a:round/>
-              <a:headEnd type="none" w="med" len="med"/>
-              <a:tailEnd type="none" w="med" len="med"/>
-            </a:ln>
-          </p:spPr>
-          <p:txBody>
-            <a:bodyPr lIns="91425" tIns="91425" rIns="91425" bIns="91425" anchor="ctr" anchorCtr="0">
-              <a:noAutofit/>
-            </a:bodyPr>
-            <a:lstStyle/>
-            <a:p>
-              <a:pPr lvl="0" rtl="0">
-                <a:spcBef>
-                  <a:spcPts val="0"/>
-                </a:spcBef>
-                <a:buNone/>
-              </a:pPr>
-              <a:r>
-                <a:rPr lang="en" b="1" dirty="0" smtClean="0"/>
-                <a:t>PropertyRecord</a:t>
-              </a:r>
-              <a:endParaRPr lang="en" b="1" dirty="0"/>
-            </a:p>
-          </p:txBody>
-        </p:sp>
-      </p:grpSp>
-      <p:sp>
-        <p:nvSpPr>
-          <p:cNvPr id="10" name="TextBox 9"/>
-          <p:cNvSpPr txBox="1"/>
-          <p:nvPr/>
-        </p:nvSpPr>
-        <p:spPr>
-          <a:xfrm>
-            <a:off x="1377468" y="5117068"/>
-            <a:ext cx="301686" cy="369332"/>
-          </a:xfrm>
-          <a:prstGeom prst="rect">
-            <a:avLst/>
-          </a:prstGeom>
-          <a:noFill/>
-        </p:spPr>
-        <p:txBody>
-          <a:bodyPr wrap="none" rtlCol="0">
-            <a:spAutoFit/>
-          </a:bodyPr>
-          <a:lstStyle/>
-          <a:p>
-            <a:r>
-              <a:rPr lang="en-US" dirty="0" smtClean="0">
-                <a:solidFill>
-                  <a:srgbClr val="FF0000"/>
-                </a:solidFill>
-              </a:rPr>
-              <a:t>1</a:t>
-            </a:r>
-            <a:endParaRPr lang="vi-VN" dirty="0">
-              <a:solidFill>
-                <a:srgbClr val="FF0000"/>
-              </a:solidFill>
-            </a:endParaRPr>
-          </a:p>
-        </p:txBody>
-      </p:sp>
-      <p:sp>
-        <p:nvSpPr>
-          <p:cNvPr id="11" name="TextBox 10"/>
-          <p:cNvSpPr txBox="1"/>
-          <p:nvPr/>
-        </p:nvSpPr>
-        <p:spPr>
-          <a:xfrm>
-            <a:off x="1262052" y="4586594"/>
-            <a:ext cx="532518" cy="369332"/>
-          </a:xfrm>
-          <a:prstGeom prst="rect">
-            <a:avLst/>
-          </a:prstGeom>
-          <a:noFill/>
-        </p:spPr>
-        <p:txBody>
-          <a:bodyPr wrap="none" rtlCol="0">
-            <a:spAutoFit/>
-          </a:bodyPr>
-          <a:lstStyle/>
-          <a:p>
-            <a:r>
-              <a:rPr lang="en-US" dirty="0" smtClean="0">
-                <a:solidFill>
-                  <a:srgbClr val="FF0000"/>
-                </a:solidFill>
-              </a:rPr>
-              <a:t>1..*</a:t>
-            </a:r>
-            <a:endParaRPr lang="vi-VN" dirty="0">
-              <a:solidFill>
-                <a:srgbClr val="FF0000"/>
-              </a:solidFill>
-            </a:endParaRPr>
-          </a:p>
-        </p:txBody>
-      </p:sp>
-      <p:cxnSp>
-        <p:nvCxnSpPr>
-          <p:cNvPr id="12" name="Straight Connector 11"/>
-          <p:cNvCxnSpPr>
-            <a:stCxn id="8" idx="2"/>
-            <a:endCxn id="6" idx="0"/>
-          </p:cNvCxnSpPr>
-          <p:nvPr/>
-        </p:nvCxnSpPr>
-        <p:spPr>
-          <a:xfrm flipH="1">
-            <a:off x="1828802" y="4640909"/>
-            <a:ext cx="1" cy="845491"/>
-          </a:xfrm>
-          <a:prstGeom prst="line">
-            <a:avLst/>
-          </a:prstGeom>
-        </p:spPr>
-        <p:style>
-          <a:lnRef idx="3">
-            <a:schemeClr val="accent2"/>
-          </a:lnRef>
-          <a:fillRef idx="0">
-            <a:schemeClr val="accent2"/>
-          </a:fillRef>
-          <a:effectRef idx="2">
-            <a:schemeClr val="accent2"/>
-          </a:effectRef>
-          <a:fontRef idx="minor">
-            <a:schemeClr val="tx1"/>
-          </a:fontRef>
-        </p:style>
-      </p:cxnSp>
-      <p:grpSp>
-        <p:nvGrpSpPr>
-          <p:cNvPr id="13" name="Shape 688"/>
-          <p:cNvGrpSpPr/>
-          <p:nvPr/>
-        </p:nvGrpSpPr>
-        <p:grpSpPr>
-          <a:xfrm>
-            <a:off x="762002" y="874700"/>
-            <a:ext cx="2133601" cy="1716099"/>
-            <a:chOff x="4336150" y="2394850"/>
-            <a:chExt cx="1814400" cy="989424"/>
-          </a:xfrm>
-        </p:grpSpPr>
-        <p:sp>
-          <p:nvSpPr>
-            <p:cNvPr id="14" name="Shape 689"/>
-            <p:cNvSpPr/>
-            <p:nvPr/>
-          </p:nvSpPr>
-          <p:spPr>
-            <a:xfrm>
-              <a:off x="4336150" y="2708975"/>
-              <a:ext cx="1814399" cy="675299"/>
-            </a:xfrm>
-            <a:prstGeom prst="rect">
-              <a:avLst/>
-            </a:prstGeom>
-            <a:solidFill>
-              <a:schemeClr val="lt2"/>
-            </a:solidFill>
-            <a:ln w="19050" cap="flat" cmpd="sng">
-              <a:solidFill>
-                <a:schemeClr val="dk2"/>
-              </a:solidFill>
-              <a:prstDash val="solid"/>
-              <a:round/>
-              <a:headEnd type="none" w="med" len="med"/>
-              <a:tailEnd type="none" w="med" len="med"/>
-            </a:ln>
-          </p:spPr>
-          <p:txBody>
-            <a:bodyPr lIns="91425" tIns="91425" rIns="91425" bIns="91425" anchor="t" anchorCtr="0">
-              <a:noAutofit/>
-            </a:bodyPr>
-            <a:lstStyle/>
-            <a:p>
-              <a:pPr lvl="0" rtl="0">
-                <a:spcBef>
-                  <a:spcPts val="0"/>
-                </a:spcBef>
-                <a:buNone/>
-              </a:pPr>
-              <a:r>
-                <a:rPr lang="vi-VN" dirty="0" smtClean="0"/>
-                <a:t>Type </a:t>
-              </a:r>
-              <a:r>
-                <a:rPr lang="vi-VN" dirty="0" smtClean="0">
-                  <a:solidFill>
-                    <a:srgbClr val="00B0F0"/>
-                  </a:solidFill>
-                </a:rPr>
-                <a:t>0</a:t>
-              </a:r>
-              <a:r>
-                <a:rPr lang="vi-VN" dirty="0" smtClean="0"/>
-                <a:t> / </a:t>
-              </a:r>
-              <a:r>
-                <a:rPr lang="vi-VN" dirty="0" smtClean="0">
-                  <a:solidFill>
-                    <a:srgbClr val="00B050"/>
-                  </a:solidFill>
-                </a:rPr>
-                <a:t>1</a:t>
-              </a:r>
-            </a:p>
-            <a:p>
-              <a:pPr lvl="0" rtl="0">
-                <a:spcBef>
-                  <a:spcPts val="0"/>
-                </a:spcBef>
-                <a:buNone/>
-              </a:pPr>
-              <a:r>
-                <a:rPr lang="vi-VN" dirty="0" smtClean="0">
-                  <a:solidFill>
-                    <a:srgbClr val="00B0F0"/>
-                  </a:solidFill>
-                </a:rPr>
-                <a:t>UUID</a:t>
-              </a:r>
-            </a:p>
-            <a:p>
-              <a:pPr lvl="0" rtl="0">
-                <a:spcBef>
-                  <a:spcPts val="0"/>
-                </a:spcBef>
-                <a:buNone/>
-              </a:pPr>
-              <a:r>
-                <a:rPr lang="vi-VN" dirty="0" smtClean="0">
-                  <a:solidFill>
-                    <a:srgbClr val="00B0F0"/>
-                  </a:solidFill>
-                </a:rPr>
-                <a:t>PositionHaveValue</a:t>
-              </a:r>
-            </a:p>
-            <a:p>
-              <a:pPr lvl="0" rtl="0">
-                <a:spcBef>
-                  <a:spcPts val="0"/>
-                </a:spcBef>
-                <a:buNone/>
-              </a:pPr>
-              <a:r>
-                <a:rPr lang="vi-VN" dirty="0" smtClean="0">
-                  <a:solidFill>
-                    <a:srgbClr val="00B050"/>
-                  </a:solidFill>
-                </a:rPr>
-                <a:t>PositionOfFormula</a:t>
-              </a:r>
-            </a:p>
-          </p:txBody>
-        </p:sp>
-        <p:sp>
-          <p:nvSpPr>
-            <p:cNvPr id="15" name="Shape 690"/>
-            <p:cNvSpPr/>
-            <p:nvPr/>
-          </p:nvSpPr>
-          <p:spPr>
-            <a:xfrm>
-              <a:off x="4336151" y="2394850"/>
-              <a:ext cx="1814399" cy="362999"/>
-            </a:xfrm>
-            <a:prstGeom prst="rect">
-              <a:avLst/>
-            </a:prstGeom>
-            <a:solidFill>
-              <a:schemeClr val="lt2"/>
-            </a:solidFill>
-            <a:ln w="19050" cap="flat" cmpd="sng">
-              <a:solidFill>
-                <a:schemeClr val="dk2"/>
-              </a:solidFill>
-              <a:prstDash val="solid"/>
-              <a:round/>
-              <a:headEnd type="none" w="med" len="med"/>
-              <a:tailEnd type="none" w="med" len="med"/>
-            </a:ln>
-          </p:spPr>
-          <p:txBody>
-            <a:bodyPr lIns="91425" tIns="91425" rIns="91425" bIns="91425" anchor="ctr" anchorCtr="0">
-              <a:noAutofit/>
-            </a:bodyPr>
-            <a:lstStyle/>
-            <a:p>
-              <a:pPr lvl="0" rtl="0">
-                <a:spcBef>
-                  <a:spcPts val="0"/>
-                </a:spcBef>
-                <a:buNone/>
-              </a:pPr>
-              <a:r>
-                <a:rPr lang="en" b="1" dirty="0" smtClean="0"/>
-                <a:t>ParamMeasurement</a:t>
-              </a:r>
-              <a:endParaRPr lang="en" b="1" dirty="0"/>
-            </a:p>
-          </p:txBody>
-        </p:sp>
-      </p:grpSp>
+      <p:sp>
+        <p:nvSpPr>
+          <p:cNvPr id="2" name="Title 1"/>
+          <p:cNvSpPr>
+            <a:spLocks noGrp="1"/>
+          </p:cNvSpPr>
+          <p:nvPr>
+            <p:ph type="title"/>
+          </p:nvPr>
+        </p:nvSpPr>
+        <p:spPr/>
+        <p:txBody>
+          <a:bodyPr/>
+          <a:lstStyle/>
+          <a:p>
+            <a:endParaRPr lang="vi-VN"/>
+          </a:p>
+        </p:txBody>
+      </p:sp>
       <p:pic>
         <p:nvPicPr>
-          <p:cNvPr id="16" name="Picture 2" descr="C:\Users\QUYHKSE61160\Desktop\Screenshot_2015-11-21-15-21-32.jpg"/>
+          <p:cNvPr id="4" name="Content Placeholder 3"/>
           <p:cNvPicPr>
-            <a:picLocks noChangeAspect="1" noChangeArrowheads="1"/>
+            <a:picLocks noGrp="1" noChangeAspect="1"/>
           </p:cNvPicPr>
-          <p:nvPr/>
+          <p:nvPr>
+            <p:ph idx="1"/>
+          </p:nvPr>
         </p:nvPicPr>
-        <p:blipFill rotWithShape="1">
+        <p:blipFill>
           <a:blip r:embed="rId2" cstate="print">
             <a:extLst>
               <a:ext uri="{28A0092B-C50C-407E-A947-70E740481C1C}">
@@ -4281,291 +3418,27 @@
               </a:ext>
             </a:extLst>
           </a:blip>
-          <a:srcRect t="14088"/>
-          <a:stretch/>
+          <a:stretch>
+            <a:fillRect/>
+          </a:stretch>
         </p:blipFill>
-        <p:spPr bwMode="auto">
+        <p:spPr>
           <a:xfrm>
-            <a:off x="5257800" y="3306227"/>
-            <a:ext cx="2133600" cy="3258690"/>
+            <a:off x="2309018" y="1600200"/>
+            <a:ext cx="4525963" cy="4525963"/>
           </a:xfrm>
-          <a:prstGeom prst="rect">
-            <a:avLst/>
-          </a:prstGeom>
-          <a:noFill/>
-          <a:extLst>
-            <a:ext uri="{909E8E84-426E-40DD-AFC4-6F175D3DCCD1}">
-              <a14:hiddenFill xmlns:a14="http://schemas.microsoft.com/office/drawing/2010/main">
-                <a:solidFill>
-                  <a:srgbClr val="FFFFFF"/>
-                </a:solidFill>
-              </a14:hiddenFill>
-            </a:ext>
-          </a:extLst>
         </p:spPr>
       </p:pic>
-      <p:cxnSp>
-        <p:nvCxnSpPr>
-          <p:cNvPr id="19" name="Straight Arrow Connector 18"/>
-          <p:cNvCxnSpPr>
-            <a:stCxn id="14" idx="3"/>
-          </p:cNvCxnSpPr>
-          <p:nvPr/>
-        </p:nvCxnSpPr>
-        <p:spPr>
-          <a:xfrm>
-            <a:off x="2895602" y="2005166"/>
-            <a:ext cx="2521800" cy="3296568"/>
-          </a:xfrm>
-          <a:prstGeom prst="straightConnector1">
-            <a:avLst/>
-          </a:prstGeom>
-          <a:ln>
-            <a:tailEnd type="arrow"/>
-          </a:ln>
-        </p:spPr>
-        <p:style>
-          <a:lnRef idx="2">
-            <a:schemeClr val="accent4"/>
-          </a:lnRef>
-          <a:fillRef idx="0">
-            <a:schemeClr val="accent4"/>
-          </a:fillRef>
-          <a:effectRef idx="1">
-            <a:schemeClr val="accent4"/>
-          </a:effectRef>
-          <a:fontRef idx="minor">
-            <a:schemeClr val="tx1"/>
-          </a:fontRef>
-        </p:style>
-      </p:cxnSp>
-      <p:cxnSp>
-        <p:nvCxnSpPr>
-          <p:cNvPr id="23" name="Straight Arrow Connector 22"/>
-          <p:cNvCxnSpPr>
-            <a:stCxn id="8" idx="3"/>
-          </p:cNvCxnSpPr>
-          <p:nvPr/>
-        </p:nvCxnSpPr>
-        <p:spPr>
-          <a:xfrm flipV="1">
-            <a:off x="2895603" y="3669630"/>
-            <a:ext cx="3067898" cy="639822"/>
-          </a:xfrm>
-          <a:prstGeom prst="straightConnector1">
-            <a:avLst/>
-          </a:prstGeom>
-          <a:ln>
-            <a:tailEnd type="arrow"/>
-          </a:ln>
-        </p:spPr>
-        <p:style>
-          <a:lnRef idx="2">
-            <a:schemeClr val="accent4"/>
-          </a:lnRef>
-          <a:fillRef idx="0">
-            <a:schemeClr val="accent4"/>
-          </a:fillRef>
-          <a:effectRef idx="1">
-            <a:schemeClr val="accent4"/>
-          </a:effectRef>
-          <a:fontRef idx="minor">
-            <a:schemeClr val="tx1"/>
-          </a:fontRef>
-        </p:style>
-      </p:cxnSp>
-      <p:cxnSp>
-        <p:nvCxnSpPr>
-          <p:cNvPr id="27" name="Straight Connector 26"/>
-          <p:cNvCxnSpPr>
-            <a:stCxn id="14" idx="2"/>
-            <a:endCxn id="9" idx="0"/>
-          </p:cNvCxnSpPr>
-          <p:nvPr/>
-        </p:nvCxnSpPr>
-        <p:spPr>
-          <a:xfrm>
-            <a:off x="1828802" y="2590799"/>
-            <a:ext cx="1" cy="1078831"/>
-          </a:xfrm>
-          <a:prstGeom prst="line">
-            <a:avLst/>
-          </a:prstGeom>
-        </p:spPr>
-        <p:style>
-          <a:lnRef idx="3">
-            <a:schemeClr val="accent2"/>
-          </a:lnRef>
-          <a:fillRef idx="0">
-            <a:schemeClr val="accent2"/>
-          </a:fillRef>
-          <a:effectRef idx="2">
-            <a:schemeClr val="accent2"/>
-          </a:effectRef>
-          <a:fontRef idx="minor">
-            <a:schemeClr val="tx1"/>
-          </a:fontRef>
-        </p:style>
-      </p:cxnSp>
-      <p:sp>
-        <p:nvSpPr>
-          <p:cNvPr id="28" name="TextBox 27"/>
-          <p:cNvSpPr txBox="1"/>
-          <p:nvPr/>
-        </p:nvSpPr>
-        <p:spPr>
-          <a:xfrm>
-            <a:off x="1255220" y="3185136"/>
-            <a:ext cx="532518" cy="369332"/>
-          </a:xfrm>
-          <a:prstGeom prst="rect">
-            <a:avLst/>
-          </a:prstGeom>
-          <a:noFill/>
-        </p:spPr>
-        <p:txBody>
-          <a:bodyPr wrap="none" rtlCol="0">
-            <a:spAutoFit/>
-          </a:bodyPr>
-          <a:lstStyle/>
-          <a:p>
-            <a:r>
-              <a:rPr lang="en-US" dirty="0" smtClean="0">
-                <a:solidFill>
-                  <a:srgbClr val="FF0000"/>
-                </a:solidFill>
-              </a:rPr>
-              <a:t>0..*</a:t>
-            </a:r>
-            <a:endParaRPr lang="vi-VN" dirty="0">
-              <a:solidFill>
-                <a:srgbClr val="FF0000"/>
-              </a:solidFill>
-            </a:endParaRPr>
-          </a:p>
-        </p:txBody>
-      </p:sp>
-      <p:sp>
-        <p:nvSpPr>
-          <p:cNvPr id="29" name="TextBox 28"/>
-          <p:cNvSpPr txBox="1"/>
-          <p:nvPr/>
-        </p:nvSpPr>
-        <p:spPr>
-          <a:xfrm>
-            <a:off x="1370636" y="2702174"/>
-            <a:ext cx="301686" cy="369332"/>
-          </a:xfrm>
-          <a:prstGeom prst="rect">
-            <a:avLst/>
-          </a:prstGeom>
-          <a:noFill/>
-        </p:spPr>
-        <p:txBody>
-          <a:bodyPr wrap="none" rtlCol="0">
-            <a:spAutoFit/>
-          </a:bodyPr>
-          <a:lstStyle/>
-          <a:p>
-            <a:r>
-              <a:rPr lang="en-US" dirty="0" smtClean="0">
-                <a:solidFill>
-                  <a:srgbClr val="FF0000"/>
-                </a:solidFill>
-              </a:rPr>
-              <a:t>1</a:t>
-            </a:r>
-            <a:endParaRPr lang="vi-VN" dirty="0">
-              <a:solidFill>
-                <a:srgbClr val="FF0000"/>
-              </a:solidFill>
-            </a:endParaRPr>
-          </a:p>
-        </p:txBody>
-      </p:sp>
-      <p:sp>
-        <p:nvSpPr>
-          <p:cNvPr id="22" name="TextBox 21"/>
-          <p:cNvSpPr txBox="1"/>
-          <p:nvPr/>
-        </p:nvSpPr>
-        <p:spPr>
-          <a:xfrm>
-            <a:off x="4572000" y="874700"/>
-            <a:ext cx="2236510" cy="923330"/>
-          </a:xfrm>
-          <a:prstGeom prst="rect">
-            <a:avLst/>
-          </a:prstGeom>
-          <a:noFill/>
-        </p:spPr>
-        <p:txBody>
-          <a:bodyPr wrap="none" rtlCol="0">
-            <a:spAutoFit/>
-          </a:bodyPr>
-          <a:lstStyle/>
-          <a:p>
-            <a:r>
-              <a:rPr lang="vi-VN" dirty="0" smtClean="0">
-                <a:solidFill>
-                  <a:srgbClr val="00B050"/>
-                </a:solidFill>
-              </a:rPr>
-              <a:t>NumberOfStep:</a:t>
-            </a:r>
-            <a:r>
-              <a:rPr lang="vi-VN" dirty="0" smtClean="0"/>
-              <a:t> 445</a:t>
-            </a:r>
-          </a:p>
-          <a:p>
-            <a:r>
-              <a:rPr lang="vi-VN" dirty="0" smtClean="0">
-                <a:solidFill>
-                  <a:srgbClr val="00B0F0"/>
-                </a:solidFill>
-              </a:rPr>
-              <a:t>Calories: </a:t>
-            </a:r>
-            <a:r>
-              <a:rPr lang="vi-VN" dirty="0" smtClean="0"/>
-              <a:t>?</a:t>
-            </a:r>
-          </a:p>
-          <a:p>
-            <a:r>
-              <a:rPr lang="vi-VN" dirty="0" smtClean="0">
-                <a:solidFill>
-                  <a:srgbClr val="00B0F0"/>
-                </a:solidFill>
-              </a:rPr>
-              <a:t>Distance: </a:t>
-            </a:r>
-            <a:r>
-              <a:rPr lang="vi-VN" dirty="0" smtClean="0"/>
-              <a:t>?</a:t>
-            </a:r>
-            <a:endParaRPr lang="vi-VN" dirty="0"/>
-          </a:p>
-        </p:txBody>
-      </p:sp>
     </p:spTree>
     <p:extLst>
       <p:ext uri="{BB962C8B-B14F-4D97-AF65-F5344CB8AC3E}">
-        <p14:creationId xmlns:p14="http://schemas.microsoft.com/office/powerpoint/2010/main" val="1573463837"/>
+        <p14:creationId xmlns:p14="http://schemas.microsoft.com/office/powerpoint/2010/main" val="2543965060"/>
       </p:ext>
     </p:extLst>
   </p:cSld>
   <p:clrMapOvr>
     <a:masterClrMapping/>
   </p:clrMapOvr>
-  <p:timing>
-    <p:tnLst>
-      <p:par>
-        <p:cTn id="1" dur="indefinite" restart="never" nodeType="tmRoot"/>
-      </p:par>
-    </p:tnLst>
-  </p:timing>
 </p:sld>
 </file>
 
@@ -4586,690 +3459,454 @@
           <a:chExt cx="0" cy="0"/>
         </a:xfrm>
       </p:grpSpPr>
-      <p:grpSp>
-        <p:nvGrpSpPr>
-          <p:cNvPr id="22" name="Shape 688"/>
-          <p:cNvGrpSpPr/>
-          <p:nvPr/>
-        </p:nvGrpSpPr>
-        <p:grpSpPr>
-          <a:xfrm>
-            <a:off x="644102" y="5339668"/>
-            <a:ext cx="2483700" cy="908899"/>
-            <a:chOff x="4336150" y="2394850"/>
-            <a:chExt cx="1814399" cy="1331686"/>
-          </a:xfrm>
-        </p:grpSpPr>
-        <p:sp>
-          <p:nvSpPr>
-            <p:cNvPr id="23" name="Shape 689"/>
-            <p:cNvSpPr/>
-            <p:nvPr/>
-          </p:nvSpPr>
-          <p:spPr>
-            <a:xfrm>
-              <a:off x="4336150" y="2708975"/>
-              <a:ext cx="1814399" cy="1017561"/>
-            </a:xfrm>
-            <a:prstGeom prst="rect">
-              <a:avLst/>
-            </a:prstGeom>
-            <a:solidFill>
-              <a:schemeClr val="lt2"/>
-            </a:solidFill>
-            <a:ln w="19050" cap="flat" cmpd="sng">
-              <a:solidFill>
-                <a:schemeClr val="dk2"/>
-              </a:solidFill>
-              <a:prstDash val="solid"/>
-              <a:round/>
-              <a:headEnd type="none" w="med" len="med"/>
-              <a:tailEnd type="none" w="med" len="med"/>
-            </a:ln>
-          </p:spPr>
-          <p:txBody>
-            <a:bodyPr lIns="91425" tIns="91425" rIns="91425" bIns="91425" anchor="t" anchorCtr="0">
-              <a:noAutofit/>
-            </a:bodyPr>
-            <a:lstStyle/>
-            <a:p>
-              <a:pPr lvl="0" rtl="0">
-                <a:spcBef>
-                  <a:spcPts val="0"/>
-                </a:spcBef>
-                <a:buNone/>
-              </a:pPr>
-              <a:r>
-                <a:rPr lang="vi-VN" dirty="0" smtClean="0"/>
-                <a:t>Type </a:t>
-              </a:r>
-              <a:r>
-                <a:rPr lang="vi-VN" dirty="0" smtClean="0">
-                  <a:solidFill>
-                    <a:srgbClr val="00B050"/>
-                  </a:solidFill>
-                </a:rPr>
-                <a:t>3</a:t>
-              </a:r>
-              <a:endParaRPr lang="en" dirty="0">
-                <a:solidFill>
-                  <a:srgbClr val="00B050"/>
-                </a:solidFill>
-              </a:endParaRPr>
-            </a:p>
-            <a:p>
-              <a:pPr lvl="0" rtl="0">
-                <a:spcBef>
-                  <a:spcPts val="0"/>
-                </a:spcBef>
-                <a:buNone/>
-              </a:pPr>
-              <a:r>
-                <a:rPr lang="en" dirty="0"/>
-                <a:t>...</a:t>
-              </a:r>
-            </a:p>
-          </p:txBody>
-        </p:sp>
-        <p:sp>
-          <p:nvSpPr>
-            <p:cNvPr id="24" name="Shape 690"/>
-            <p:cNvSpPr/>
-            <p:nvPr/>
-          </p:nvSpPr>
-          <p:spPr>
-            <a:xfrm>
-              <a:off x="4336150" y="2394850"/>
-              <a:ext cx="1814399" cy="362999"/>
-            </a:xfrm>
-            <a:prstGeom prst="rect">
-              <a:avLst/>
-            </a:prstGeom>
-            <a:solidFill>
-              <a:schemeClr val="lt2"/>
-            </a:solidFill>
-            <a:ln w="19050" cap="flat" cmpd="sng">
-              <a:solidFill>
-                <a:schemeClr val="dk2"/>
-              </a:solidFill>
-              <a:prstDash val="solid"/>
-              <a:round/>
-              <a:headEnd type="none" w="med" len="med"/>
-              <a:tailEnd type="none" w="med" len="med"/>
-            </a:ln>
-          </p:spPr>
-          <p:txBody>
-            <a:bodyPr lIns="91425" tIns="91425" rIns="91425" bIns="91425" anchor="ctr" anchorCtr="0">
-              <a:noAutofit/>
-            </a:bodyPr>
-            <a:lstStyle/>
-            <a:p>
-              <a:pPr lvl="0" rtl="0">
-                <a:spcBef>
-                  <a:spcPts val="0"/>
-                </a:spcBef>
-                <a:buNone/>
-              </a:pPr>
-              <a:r>
-                <a:rPr lang="en" b="1" dirty="0" smtClean="0"/>
-                <a:t>MedicalRecordData</a:t>
-              </a:r>
-              <a:endParaRPr lang="en" b="1" dirty="0"/>
-            </a:p>
-          </p:txBody>
-        </p:sp>
-      </p:grpSp>
-      <p:grpSp>
-        <p:nvGrpSpPr>
-          <p:cNvPr id="25" name="Shape 688"/>
-          <p:cNvGrpSpPr/>
-          <p:nvPr/>
-        </p:nvGrpSpPr>
-        <p:grpSpPr>
-          <a:xfrm>
-            <a:off x="819152" y="1573775"/>
-            <a:ext cx="2133600" cy="1410959"/>
-            <a:chOff x="4342274" y="2394850"/>
-            <a:chExt cx="1814399" cy="989424"/>
-          </a:xfrm>
-        </p:grpSpPr>
-        <p:sp>
-          <p:nvSpPr>
-            <p:cNvPr id="26" name="Shape 689"/>
-            <p:cNvSpPr/>
-            <p:nvPr/>
-          </p:nvSpPr>
-          <p:spPr>
-            <a:xfrm>
-              <a:off x="4342274" y="2708975"/>
-              <a:ext cx="1814399" cy="675299"/>
-            </a:xfrm>
-            <a:prstGeom prst="rect">
-              <a:avLst/>
-            </a:prstGeom>
-            <a:solidFill>
-              <a:schemeClr val="lt2"/>
-            </a:solidFill>
-            <a:ln w="19050" cap="flat" cmpd="sng">
-              <a:solidFill>
-                <a:schemeClr val="dk2"/>
-              </a:solidFill>
-              <a:prstDash val="solid"/>
-              <a:round/>
-              <a:headEnd type="none" w="med" len="med"/>
-              <a:tailEnd type="none" w="med" len="med"/>
-            </a:ln>
-          </p:spPr>
-          <p:txBody>
-            <a:bodyPr lIns="91425" tIns="91425" rIns="91425" bIns="91425" anchor="t" anchorCtr="0">
-              <a:noAutofit/>
-            </a:bodyPr>
-            <a:lstStyle/>
-            <a:p>
-              <a:pPr lvl="0" rtl="0">
-                <a:spcBef>
-                  <a:spcPts val="0"/>
-                </a:spcBef>
-                <a:buNone/>
-              </a:pPr>
-              <a:r>
-                <a:rPr lang="vi-VN" dirty="0" smtClean="0">
-                  <a:solidFill>
-                    <a:srgbClr val="00B050"/>
-                  </a:solidFill>
-                </a:rPr>
-                <a:t>Calories</a:t>
-              </a:r>
-            </a:p>
-            <a:p>
-              <a:pPr lvl="0" rtl="0">
-                <a:spcBef>
-                  <a:spcPts val="0"/>
-                </a:spcBef>
-                <a:buNone/>
-              </a:pPr>
-              <a:r>
-                <a:rPr lang="vi-VN" dirty="0" smtClean="0">
-                  <a:solidFill>
-                    <a:srgbClr val="00B050"/>
-                  </a:solidFill>
-                </a:rPr>
-                <a:t>Distance</a:t>
-              </a:r>
-            </a:p>
-            <a:p>
-              <a:pPr lvl="0" rtl="0">
-                <a:spcBef>
-                  <a:spcPts val="0"/>
-                </a:spcBef>
-                <a:buNone/>
-              </a:pPr>
-              <a:r>
-                <a:rPr lang="vi-VN" dirty="0" smtClean="0">
-                  <a:solidFill>
-                    <a:srgbClr val="00B050"/>
-                  </a:solidFill>
-                </a:rPr>
-                <a:t>NumberOfStep</a:t>
-              </a:r>
-            </a:p>
-          </p:txBody>
-        </p:sp>
-        <p:sp>
-          <p:nvSpPr>
-            <p:cNvPr id="27" name="Shape 690"/>
-            <p:cNvSpPr/>
-            <p:nvPr/>
-          </p:nvSpPr>
-          <p:spPr>
-            <a:xfrm>
-              <a:off x="4342274" y="2394850"/>
-              <a:ext cx="1814399" cy="362999"/>
-            </a:xfrm>
-            <a:prstGeom prst="rect">
-              <a:avLst/>
-            </a:prstGeom>
-            <a:solidFill>
-              <a:schemeClr val="lt2"/>
-            </a:solidFill>
-            <a:ln w="19050" cap="flat" cmpd="sng">
-              <a:solidFill>
-                <a:schemeClr val="dk2"/>
-              </a:solidFill>
-              <a:prstDash val="solid"/>
-              <a:round/>
-              <a:headEnd type="none" w="med" len="med"/>
-              <a:tailEnd type="none" w="med" len="med"/>
-            </a:ln>
-          </p:spPr>
-          <p:txBody>
-            <a:bodyPr lIns="91425" tIns="91425" rIns="91425" bIns="91425" anchor="ctr" anchorCtr="0">
-              <a:noAutofit/>
-            </a:bodyPr>
-            <a:lstStyle/>
-            <a:p>
-              <a:pPr lvl="0" rtl="0">
-                <a:spcBef>
-                  <a:spcPts val="0"/>
-                </a:spcBef>
-                <a:buNone/>
-              </a:pPr>
-              <a:r>
-                <a:rPr lang="en" b="1" dirty="0" smtClean="0"/>
-                <a:t>PropertyRecord</a:t>
-              </a:r>
-              <a:endParaRPr lang="en" b="1" dirty="0"/>
-            </a:p>
-          </p:txBody>
-        </p:sp>
-      </p:grpSp>
-      <p:sp>
-        <p:nvSpPr>
-          <p:cNvPr id="28" name="TextBox 27"/>
-          <p:cNvSpPr txBox="1"/>
-          <p:nvPr/>
-        </p:nvSpPr>
+      <p:sp>
+        <p:nvSpPr>
+          <p:cNvPr id="2" name="Title 1"/>
+          <p:cNvSpPr>
+            <a:spLocks noGrp="1"/>
+          </p:cNvSpPr>
+          <p:nvPr>
+            <p:ph type="title"/>
+          </p:nvPr>
+        </p:nvSpPr>
+        <p:spPr/>
+        <p:txBody>
+          <a:bodyPr/>
+          <a:lstStyle/>
+          <a:p>
+            <a:endParaRPr lang="vi-VN"/>
+          </a:p>
+        </p:txBody>
+      </p:sp>
+      <p:pic>
+        <p:nvPicPr>
+          <p:cNvPr id="4" name="Content Placeholder 3"/>
+          <p:cNvPicPr>
+            <a:picLocks noGrp="1" noChangeAspect="1"/>
+          </p:cNvPicPr>
+          <p:nvPr>
+            <p:ph idx="1"/>
+          </p:nvPr>
+        </p:nvPicPr>
+        <p:blipFill>
+          <a:blip r:embed="rId2" cstate="print">
+            <a:extLst>
+              <a:ext uri="{28A0092B-C50C-407E-A947-70E740481C1C}">
+                <a14:useLocalDpi xmlns:a14="http://schemas.microsoft.com/office/drawing/2010/main" val="0"/>
+              </a:ext>
+            </a:extLst>
+          </a:blip>
+          <a:stretch>
+            <a:fillRect/>
+          </a:stretch>
+        </p:blipFill>
         <p:spPr>
           <a:xfrm>
-            <a:off x="1387234" y="4970336"/>
-            <a:ext cx="301686" cy="369332"/>
+            <a:off x="2309018" y="1600200"/>
+            <a:ext cx="4525963" cy="4525963"/>
           </a:xfrm>
-          <a:prstGeom prst="rect">
-            <a:avLst/>
-          </a:prstGeom>
-          <a:noFill/>
         </p:spPr>
-        <p:txBody>
-          <a:bodyPr wrap="none" rtlCol="0">
-            <a:spAutoFit/>
-          </a:bodyPr>
-          <a:lstStyle/>
-          <a:p>
-            <a:r>
-              <a:rPr lang="en-US" dirty="0" smtClean="0">
-                <a:solidFill>
-                  <a:srgbClr val="FF0000"/>
-                </a:solidFill>
-              </a:rPr>
-              <a:t>1</a:t>
-            </a:r>
-            <a:endParaRPr lang="vi-VN" dirty="0">
-              <a:solidFill>
-                <a:srgbClr val="FF0000"/>
-              </a:solidFill>
-            </a:endParaRPr>
-          </a:p>
-        </p:txBody>
-      </p:sp>
-      <p:sp>
-        <p:nvSpPr>
-          <p:cNvPr id="29" name="TextBox 28"/>
-          <p:cNvSpPr txBox="1"/>
-          <p:nvPr/>
-        </p:nvSpPr>
-        <p:spPr>
-          <a:xfrm>
-            <a:off x="1208378" y="3164762"/>
-            <a:ext cx="532518" cy="369332"/>
-          </a:xfrm>
-          <a:prstGeom prst="rect">
-            <a:avLst/>
-          </a:prstGeom>
-          <a:noFill/>
-        </p:spPr>
-        <p:txBody>
-          <a:bodyPr wrap="none" rtlCol="0">
-            <a:spAutoFit/>
-          </a:bodyPr>
-          <a:lstStyle/>
-          <a:p>
-            <a:r>
-              <a:rPr lang="en-US" dirty="0" smtClean="0">
-                <a:solidFill>
-                  <a:srgbClr val="FF0000"/>
-                </a:solidFill>
-              </a:rPr>
-              <a:t>1..*</a:t>
-            </a:r>
-            <a:endParaRPr lang="vi-VN" dirty="0">
-              <a:solidFill>
-                <a:srgbClr val="FF0000"/>
-              </a:solidFill>
-            </a:endParaRPr>
-          </a:p>
-        </p:txBody>
-      </p:sp>
-      <p:cxnSp>
-        <p:nvCxnSpPr>
-          <p:cNvPr id="30" name="Straight Connector 29"/>
-          <p:cNvCxnSpPr>
-            <a:stCxn id="26" idx="2"/>
-            <a:endCxn id="24" idx="0"/>
-          </p:cNvCxnSpPr>
-          <p:nvPr/>
-        </p:nvCxnSpPr>
-        <p:spPr>
-          <a:xfrm>
-            <a:off x="1885952" y="2984734"/>
-            <a:ext cx="0" cy="2354934"/>
-          </a:xfrm>
-          <a:prstGeom prst="line">
-            <a:avLst/>
-          </a:prstGeom>
-        </p:spPr>
-        <p:style>
-          <a:lnRef idx="3">
-            <a:schemeClr val="accent2"/>
-          </a:lnRef>
-          <a:fillRef idx="0">
-            <a:schemeClr val="accent2"/>
-          </a:fillRef>
-          <a:effectRef idx="2">
-            <a:schemeClr val="accent2"/>
-          </a:effectRef>
-          <a:fontRef idx="minor">
-            <a:schemeClr val="tx1"/>
-          </a:fontRef>
-        </p:style>
-      </p:cxnSp>
-      <p:cxnSp>
-        <p:nvCxnSpPr>
-          <p:cNvPr id="36" name="Straight Arrow Connector 35"/>
-          <p:cNvCxnSpPr/>
-          <p:nvPr/>
-        </p:nvCxnSpPr>
-        <p:spPr>
-          <a:xfrm flipV="1">
-            <a:off x="2286000" y="1986868"/>
-            <a:ext cx="1155700" cy="292388"/>
-          </a:xfrm>
-          <a:prstGeom prst="straightConnector1">
-            <a:avLst/>
-          </a:prstGeom>
-          <a:ln>
-            <a:tailEnd type="arrow"/>
-          </a:ln>
-        </p:spPr>
-        <p:style>
-          <a:lnRef idx="2">
-            <a:schemeClr val="accent4"/>
-          </a:lnRef>
-          <a:fillRef idx="0">
-            <a:schemeClr val="accent4"/>
-          </a:fillRef>
-          <a:effectRef idx="1">
-            <a:schemeClr val="accent4"/>
-          </a:effectRef>
-          <a:fontRef idx="minor">
-            <a:schemeClr val="tx1"/>
-          </a:fontRef>
-        </p:style>
-      </p:cxnSp>
-      <p:sp>
-        <p:nvSpPr>
-          <p:cNvPr id="40" name="Rectangle 39"/>
-          <p:cNvSpPr/>
-          <p:nvPr/>
-        </p:nvSpPr>
-        <p:spPr>
-          <a:xfrm>
-            <a:off x="3441700" y="1617536"/>
-            <a:ext cx="5569800" cy="1323439"/>
-          </a:xfrm>
-          <a:prstGeom prst="rect">
-            <a:avLst/>
-          </a:prstGeom>
-        </p:spPr>
-        <p:txBody>
-          <a:bodyPr wrap="square">
-            <a:spAutoFit/>
-          </a:bodyPr>
-          <a:lstStyle/>
-          <a:p>
-            <a:r>
-              <a:rPr lang="vi-VN" sz="1600" dirty="0" smtClean="0"/>
-              <a:t>Distance: z </a:t>
-            </a:r>
-            <a:r>
-              <a:rPr lang="vi-VN" sz="1600" dirty="0"/>
-              <a:t>* x * 0.414 / 100000</a:t>
-            </a:r>
-          </a:p>
-          <a:p>
-            <a:r>
-              <a:rPr lang="vi-VN" sz="1600" dirty="0" smtClean="0"/>
-              <a:t>Calories: y </a:t>
-            </a:r>
-            <a:r>
-              <a:rPr lang="vi-VN" sz="1600" dirty="0"/>
-              <a:t>/ 0.4536 * 0.53 * 1.609 * z * x * 0.414 / 100000</a:t>
-            </a:r>
-          </a:p>
-          <a:p>
-            <a:r>
-              <a:rPr lang="vi-VN" sz="1600" dirty="0"/>
-              <a:t>z,2,NumberOfStep</a:t>
-            </a:r>
-          </a:p>
-          <a:p>
-            <a:r>
-              <a:rPr lang="vi-VN" sz="1600" dirty="0"/>
-              <a:t>x,1,Height</a:t>
-            </a:r>
-          </a:p>
-          <a:p>
-            <a:r>
-              <a:rPr lang="vi-VN" sz="1600" dirty="0"/>
-              <a:t>y,1,Weight</a:t>
-            </a:r>
-          </a:p>
-        </p:txBody>
-      </p:sp>
-      <p:cxnSp>
-        <p:nvCxnSpPr>
-          <p:cNvPr id="47" name="Straight Arrow Connector 46"/>
-          <p:cNvCxnSpPr>
-            <a:endCxn id="40" idx="1"/>
-          </p:cNvCxnSpPr>
-          <p:nvPr/>
-        </p:nvCxnSpPr>
-        <p:spPr>
-          <a:xfrm flipV="1">
-            <a:off x="2667000" y="2279256"/>
-            <a:ext cx="774700" cy="540144"/>
-          </a:xfrm>
-          <a:prstGeom prst="straightConnector1">
-            <a:avLst/>
-          </a:prstGeom>
-          <a:ln>
-            <a:tailEnd type="arrow"/>
-          </a:ln>
-        </p:spPr>
-        <p:style>
-          <a:lnRef idx="2">
-            <a:schemeClr val="accent5"/>
-          </a:lnRef>
-          <a:fillRef idx="0">
-            <a:schemeClr val="accent5"/>
-          </a:fillRef>
-          <a:effectRef idx="1">
-            <a:schemeClr val="accent5"/>
-          </a:effectRef>
-          <a:fontRef idx="minor">
-            <a:schemeClr val="tx1"/>
-          </a:fontRef>
-        </p:style>
-      </p:cxnSp>
-      <p:grpSp>
-        <p:nvGrpSpPr>
-          <p:cNvPr id="48" name="Shape 688"/>
-          <p:cNvGrpSpPr/>
-          <p:nvPr/>
-        </p:nvGrpSpPr>
-        <p:grpSpPr>
-          <a:xfrm>
-            <a:off x="4419600" y="4953000"/>
-            <a:ext cx="2133600" cy="1410959"/>
-            <a:chOff x="4342274" y="2394850"/>
-            <a:chExt cx="1814399" cy="989424"/>
-          </a:xfrm>
-        </p:grpSpPr>
-        <p:sp>
-          <p:nvSpPr>
-            <p:cNvPr id="49" name="Shape 689"/>
-            <p:cNvSpPr/>
-            <p:nvPr/>
-          </p:nvSpPr>
-          <p:spPr>
-            <a:xfrm>
-              <a:off x="4342274" y="2708975"/>
-              <a:ext cx="1814399" cy="675299"/>
-            </a:xfrm>
-            <a:prstGeom prst="rect">
-              <a:avLst/>
-            </a:prstGeom>
-            <a:solidFill>
-              <a:schemeClr val="lt2"/>
-            </a:solidFill>
-            <a:ln w="19050" cap="flat" cmpd="sng">
-              <a:solidFill>
-                <a:schemeClr val="dk2"/>
-              </a:solidFill>
-              <a:prstDash val="solid"/>
-              <a:round/>
-              <a:headEnd type="none" w="med" len="med"/>
-              <a:tailEnd type="none" w="med" len="med"/>
-            </a:ln>
-          </p:spPr>
-          <p:txBody>
-            <a:bodyPr lIns="91425" tIns="91425" rIns="91425" bIns="91425" anchor="t" anchorCtr="0">
-              <a:noAutofit/>
-            </a:bodyPr>
-            <a:lstStyle/>
-            <a:p>
-              <a:pPr lvl="0" rtl="0">
-                <a:spcBef>
-                  <a:spcPts val="0"/>
-                </a:spcBef>
-                <a:buNone/>
-              </a:pPr>
-              <a:r>
-                <a:rPr lang="vi-VN" dirty="0" smtClean="0"/>
-                <a:t>Height</a:t>
-              </a:r>
-            </a:p>
-            <a:p>
-              <a:pPr lvl="0" rtl="0">
-                <a:spcBef>
-                  <a:spcPts val="0"/>
-                </a:spcBef>
-                <a:buNone/>
-              </a:pPr>
-              <a:r>
-                <a:rPr lang="vi-VN" dirty="0" smtClean="0"/>
-                <a:t>Weight</a:t>
-              </a:r>
-            </a:p>
-          </p:txBody>
-        </p:sp>
-        <p:sp>
-          <p:nvSpPr>
-            <p:cNvPr id="50" name="Shape 690"/>
-            <p:cNvSpPr/>
-            <p:nvPr/>
-          </p:nvSpPr>
-          <p:spPr>
-            <a:xfrm>
-              <a:off x="4342274" y="2394850"/>
-              <a:ext cx="1814399" cy="362999"/>
-            </a:xfrm>
-            <a:prstGeom prst="rect">
-              <a:avLst/>
-            </a:prstGeom>
-            <a:solidFill>
-              <a:schemeClr val="lt2"/>
-            </a:solidFill>
-            <a:ln w="19050" cap="flat" cmpd="sng">
-              <a:solidFill>
-                <a:schemeClr val="dk2"/>
-              </a:solidFill>
-              <a:prstDash val="solid"/>
-              <a:round/>
-              <a:headEnd type="none" w="med" len="med"/>
-              <a:tailEnd type="none" w="med" len="med"/>
-            </a:ln>
-          </p:spPr>
-          <p:txBody>
-            <a:bodyPr lIns="91425" tIns="91425" rIns="91425" bIns="91425" anchor="ctr" anchorCtr="0">
-              <a:noAutofit/>
-            </a:bodyPr>
-            <a:lstStyle/>
-            <a:p>
-              <a:pPr lvl="0" rtl="0">
-                <a:spcBef>
-                  <a:spcPts val="0"/>
-                </a:spcBef>
-                <a:buNone/>
-              </a:pPr>
-              <a:r>
-                <a:rPr lang="vi-VN" b="1" dirty="0" smtClean="0"/>
-                <a:t>PreventionCheck</a:t>
-              </a:r>
-              <a:endParaRPr lang="en" b="1" dirty="0"/>
-            </a:p>
-          </p:txBody>
-        </p:sp>
-      </p:grpSp>
-      <p:cxnSp>
-        <p:nvCxnSpPr>
-          <p:cNvPr id="52" name="Straight Arrow Connector 51"/>
-          <p:cNvCxnSpPr/>
-          <p:nvPr/>
-        </p:nvCxnSpPr>
-        <p:spPr>
-          <a:xfrm flipH="1" flipV="1">
-            <a:off x="4038600" y="2940975"/>
-            <a:ext cx="381000" cy="2697825"/>
-          </a:xfrm>
-          <a:prstGeom prst="straightConnector1">
-            <a:avLst/>
-          </a:prstGeom>
-          <a:ln>
-            <a:tailEnd type="arrow"/>
-          </a:ln>
-        </p:spPr>
-        <p:style>
-          <a:lnRef idx="2">
-            <a:schemeClr val="accent3"/>
-          </a:lnRef>
-          <a:fillRef idx="0">
-            <a:schemeClr val="accent3"/>
-          </a:fillRef>
-          <a:effectRef idx="1">
-            <a:schemeClr val="accent3"/>
-          </a:effectRef>
-          <a:fontRef idx="minor">
-            <a:schemeClr val="tx1"/>
-          </a:fontRef>
-        </p:style>
-      </p:cxnSp>
+      </p:pic>
     </p:spTree>
     <p:extLst>
       <p:ext uri="{BB962C8B-B14F-4D97-AF65-F5344CB8AC3E}">
-        <p14:creationId xmlns:p14="http://schemas.microsoft.com/office/powerpoint/2010/main" val="567174985"/>
+        <p14:creationId xmlns:p14="http://schemas.microsoft.com/office/powerpoint/2010/main" val="3569409670"/>
       </p:ext>
     </p:extLst>
   </p:cSld>
   <p:clrMapOvr>
     <a:masterClrMapping/>
   </p:clrMapOvr>
-  <p:timing>
-    <p:tnLst>
-      <p:par>
-        <p:cTn id="1" dur="indefinite" restart="never" nodeType="tmRoot"/>
-      </p:par>
-    </p:tnLst>
-  </p:timing>
+</p:sld>
+</file>
+
+<file path=ppt/slides/slide5.xml><?xml version="1.0" encoding="utf-8"?>
+<p:sld xmlns:a="http://schemas.openxmlformats.org/drawingml/2006/main" xmlns:r="http://schemas.openxmlformats.org/officeDocument/2006/relationships" xmlns:p="http://schemas.openxmlformats.org/presentationml/2006/main">
+  <p:cSld>
+    <p:spTree>
+      <p:nvGrpSpPr>
+        <p:cNvPr id="1" name=""/>
+        <p:cNvGrpSpPr/>
+        <p:nvPr/>
+      </p:nvGrpSpPr>
+      <p:grpSpPr>
+        <a:xfrm>
+          <a:off x="0" y="0"/>
+          <a:ext cx="0" cy="0"/>
+          <a:chOff x="0" y="0"/>
+          <a:chExt cx="0" cy="0"/>
+        </a:xfrm>
+      </p:grpSpPr>
+      <p:sp>
+        <p:nvSpPr>
+          <p:cNvPr id="2" name="Title 1"/>
+          <p:cNvSpPr>
+            <a:spLocks noGrp="1"/>
+          </p:cNvSpPr>
+          <p:nvPr>
+            <p:ph type="title"/>
+          </p:nvPr>
+        </p:nvSpPr>
+        <p:spPr/>
+        <p:txBody>
+          <a:bodyPr/>
+          <a:lstStyle/>
+          <a:p>
+            <a:endParaRPr lang="vi-VN"/>
+          </a:p>
+        </p:txBody>
+      </p:sp>
+      <p:pic>
+        <p:nvPicPr>
+          <p:cNvPr id="4" name="Content Placeholder 3"/>
+          <p:cNvPicPr>
+            <a:picLocks noGrp="1" noChangeAspect="1"/>
+          </p:cNvPicPr>
+          <p:nvPr>
+            <p:ph idx="1"/>
+          </p:nvPr>
+        </p:nvPicPr>
+        <p:blipFill>
+          <a:blip r:embed="rId2" cstate="print">
+            <a:extLst>
+              <a:ext uri="{28A0092B-C50C-407E-A947-70E740481C1C}">
+                <a14:useLocalDpi xmlns:a14="http://schemas.microsoft.com/office/drawing/2010/main" val="0"/>
+              </a:ext>
+            </a:extLst>
+          </a:blip>
+          <a:stretch>
+            <a:fillRect/>
+          </a:stretch>
+        </p:blipFill>
+        <p:spPr>
+          <a:xfrm>
+            <a:off x="2309018" y="1600200"/>
+            <a:ext cx="4525963" cy="4525963"/>
+          </a:xfrm>
+        </p:spPr>
+      </p:pic>
+    </p:spTree>
+    <p:extLst>
+      <p:ext uri="{BB962C8B-B14F-4D97-AF65-F5344CB8AC3E}">
+        <p14:creationId xmlns:p14="http://schemas.microsoft.com/office/powerpoint/2010/main" val="4227508673"/>
+      </p:ext>
+    </p:extLst>
+  </p:cSld>
+  <p:clrMapOvr>
+    <a:masterClrMapping/>
+  </p:clrMapOvr>
+</p:sld>
+</file>
+
+<file path=ppt/slides/slide6.xml><?xml version="1.0" encoding="utf-8"?>
+<p:sld xmlns:a="http://schemas.openxmlformats.org/drawingml/2006/main" xmlns:r="http://schemas.openxmlformats.org/officeDocument/2006/relationships" xmlns:p="http://schemas.openxmlformats.org/presentationml/2006/main">
+  <p:cSld>
+    <p:spTree>
+      <p:nvGrpSpPr>
+        <p:cNvPr id="1" name=""/>
+        <p:cNvGrpSpPr/>
+        <p:nvPr/>
+      </p:nvGrpSpPr>
+      <p:grpSpPr>
+        <a:xfrm>
+          <a:off x="0" y="0"/>
+          <a:ext cx="0" cy="0"/>
+          <a:chOff x="0" y="0"/>
+          <a:chExt cx="0" cy="0"/>
+        </a:xfrm>
+      </p:grpSpPr>
+      <p:sp>
+        <p:nvSpPr>
+          <p:cNvPr id="2" name="Title 1"/>
+          <p:cNvSpPr>
+            <a:spLocks noGrp="1"/>
+          </p:cNvSpPr>
+          <p:nvPr>
+            <p:ph type="title"/>
+          </p:nvPr>
+        </p:nvSpPr>
+        <p:spPr/>
+        <p:txBody>
+          <a:bodyPr/>
+          <a:lstStyle/>
+          <a:p>
+            <a:endParaRPr lang="vi-VN"/>
+          </a:p>
+        </p:txBody>
+      </p:sp>
+      <p:pic>
+        <p:nvPicPr>
+          <p:cNvPr id="4" name="Content Placeholder 3"/>
+          <p:cNvPicPr>
+            <a:picLocks noGrp="1" noChangeAspect="1"/>
+          </p:cNvPicPr>
+          <p:nvPr>
+            <p:ph idx="1"/>
+          </p:nvPr>
+        </p:nvPicPr>
+        <p:blipFill>
+          <a:blip r:embed="rId2" cstate="print">
+            <a:extLst>
+              <a:ext uri="{28A0092B-C50C-407E-A947-70E740481C1C}">
+                <a14:useLocalDpi xmlns:a14="http://schemas.microsoft.com/office/drawing/2010/main" val="0"/>
+              </a:ext>
+            </a:extLst>
+          </a:blip>
+          <a:stretch>
+            <a:fillRect/>
+          </a:stretch>
+        </p:blipFill>
+        <p:spPr>
+          <a:xfrm>
+            <a:off x="2309018" y="1600200"/>
+            <a:ext cx="4525963" cy="4525963"/>
+          </a:xfrm>
+        </p:spPr>
+      </p:pic>
+    </p:spTree>
+    <p:extLst>
+      <p:ext uri="{BB962C8B-B14F-4D97-AF65-F5344CB8AC3E}">
+        <p14:creationId xmlns:p14="http://schemas.microsoft.com/office/powerpoint/2010/main" val="3802931932"/>
+      </p:ext>
+    </p:extLst>
+  </p:cSld>
+  <p:clrMapOvr>
+    <a:masterClrMapping/>
+  </p:clrMapOvr>
+</p:sld>
+</file>
+
+<file path=ppt/slides/slide7.xml><?xml version="1.0" encoding="utf-8"?>
+<p:sld xmlns:a="http://schemas.openxmlformats.org/drawingml/2006/main" xmlns:r="http://schemas.openxmlformats.org/officeDocument/2006/relationships" xmlns:p="http://schemas.openxmlformats.org/presentationml/2006/main">
+  <p:cSld>
+    <p:spTree>
+      <p:nvGrpSpPr>
+        <p:cNvPr id="1" name=""/>
+        <p:cNvGrpSpPr/>
+        <p:nvPr/>
+      </p:nvGrpSpPr>
+      <p:grpSpPr>
+        <a:xfrm>
+          <a:off x="0" y="0"/>
+          <a:ext cx="0" cy="0"/>
+          <a:chOff x="0" y="0"/>
+          <a:chExt cx="0" cy="0"/>
+        </a:xfrm>
+      </p:grpSpPr>
+      <p:sp>
+        <p:nvSpPr>
+          <p:cNvPr id="2" name="Title 1"/>
+          <p:cNvSpPr>
+            <a:spLocks noGrp="1"/>
+          </p:cNvSpPr>
+          <p:nvPr>
+            <p:ph type="title"/>
+          </p:nvPr>
+        </p:nvSpPr>
+        <p:spPr/>
+        <p:txBody>
+          <a:bodyPr/>
+          <a:lstStyle/>
+          <a:p>
+            <a:endParaRPr lang="vi-VN"/>
+          </a:p>
+        </p:txBody>
+      </p:sp>
+      <p:pic>
+        <p:nvPicPr>
+          <p:cNvPr id="4" name="Content Placeholder 3"/>
+          <p:cNvPicPr>
+            <a:picLocks noGrp="1" noChangeAspect="1"/>
+          </p:cNvPicPr>
+          <p:nvPr>
+            <p:ph idx="1"/>
+          </p:nvPr>
+        </p:nvPicPr>
+        <p:blipFill>
+          <a:blip r:embed="rId2" cstate="print">
+            <a:extLst>
+              <a:ext uri="{28A0092B-C50C-407E-A947-70E740481C1C}">
+                <a14:useLocalDpi xmlns:a14="http://schemas.microsoft.com/office/drawing/2010/main" val="0"/>
+              </a:ext>
+            </a:extLst>
+          </a:blip>
+          <a:stretch>
+            <a:fillRect/>
+          </a:stretch>
+        </p:blipFill>
+        <p:spPr>
+          <a:xfrm>
+            <a:off x="2309018" y="1600200"/>
+            <a:ext cx="4525963" cy="4525963"/>
+          </a:xfrm>
+        </p:spPr>
+      </p:pic>
+    </p:spTree>
+    <p:extLst>
+      <p:ext uri="{BB962C8B-B14F-4D97-AF65-F5344CB8AC3E}">
+        <p14:creationId xmlns:p14="http://schemas.microsoft.com/office/powerpoint/2010/main" val="3120262510"/>
+      </p:ext>
+    </p:extLst>
+  </p:cSld>
+  <p:clrMapOvr>
+    <a:masterClrMapping/>
+  </p:clrMapOvr>
+</p:sld>
+</file>
+
+<file path=ppt/slides/slide8.xml><?xml version="1.0" encoding="utf-8"?>
+<p:sld xmlns:a="http://schemas.openxmlformats.org/drawingml/2006/main" xmlns:r="http://schemas.openxmlformats.org/officeDocument/2006/relationships" xmlns:p="http://schemas.openxmlformats.org/presentationml/2006/main">
+  <p:cSld>
+    <p:spTree>
+      <p:nvGrpSpPr>
+        <p:cNvPr id="1" name=""/>
+        <p:cNvGrpSpPr/>
+        <p:nvPr/>
+      </p:nvGrpSpPr>
+      <p:grpSpPr>
+        <a:xfrm>
+          <a:off x="0" y="0"/>
+          <a:ext cx="0" cy="0"/>
+          <a:chOff x="0" y="0"/>
+          <a:chExt cx="0" cy="0"/>
+        </a:xfrm>
+      </p:grpSpPr>
+      <p:sp>
+        <p:nvSpPr>
+          <p:cNvPr id="2" name="Title 1"/>
+          <p:cNvSpPr>
+            <a:spLocks noGrp="1"/>
+          </p:cNvSpPr>
+          <p:nvPr>
+            <p:ph type="title"/>
+          </p:nvPr>
+        </p:nvSpPr>
+        <p:spPr/>
+        <p:txBody>
+          <a:bodyPr/>
+          <a:lstStyle/>
+          <a:p>
+            <a:endParaRPr lang="vi-VN"/>
+          </a:p>
+        </p:txBody>
+      </p:sp>
+      <p:pic>
+        <p:nvPicPr>
+          <p:cNvPr id="4" name="Content Placeholder 3"/>
+          <p:cNvPicPr>
+            <a:picLocks noGrp="1" noChangeAspect="1"/>
+          </p:cNvPicPr>
+          <p:nvPr>
+            <p:ph idx="1"/>
+          </p:nvPr>
+        </p:nvPicPr>
+        <p:blipFill>
+          <a:blip r:embed="rId2" cstate="print">
+            <a:extLst>
+              <a:ext uri="{28A0092B-C50C-407E-A947-70E740481C1C}">
+                <a14:useLocalDpi xmlns:a14="http://schemas.microsoft.com/office/drawing/2010/main" val="0"/>
+              </a:ext>
+            </a:extLst>
+          </a:blip>
+          <a:stretch>
+            <a:fillRect/>
+          </a:stretch>
+        </p:blipFill>
+        <p:spPr>
+          <a:xfrm>
+            <a:off x="2309018" y="1600200"/>
+            <a:ext cx="4525963" cy="4525963"/>
+          </a:xfrm>
+        </p:spPr>
+      </p:pic>
+    </p:spTree>
+    <p:extLst>
+      <p:ext uri="{BB962C8B-B14F-4D97-AF65-F5344CB8AC3E}">
+        <p14:creationId xmlns:p14="http://schemas.microsoft.com/office/powerpoint/2010/main" val="2505573293"/>
+      </p:ext>
+    </p:extLst>
+  </p:cSld>
+  <p:clrMapOvr>
+    <a:masterClrMapping/>
+  </p:clrMapOvr>
+</p:sld>
+</file>
+
+<file path=ppt/slides/slide9.xml><?xml version="1.0" encoding="utf-8"?>
+<p:sld xmlns:a="http://schemas.openxmlformats.org/drawingml/2006/main" xmlns:r="http://schemas.openxmlformats.org/officeDocument/2006/relationships" xmlns:p="http://schemas.openxmlformats.org/presentationml/2006/main">
+  <p:cSld>
+    <p:spTree>
+      <p:nvGrpSpPr>
+        <p:cNvPr id="1" name=""/>
+        <p:cNvGrpSpPr/>
+        <p:nvPr/>
+      </p:nvGrpSpPr>
+      <p:grpSpPr>
+        <a:xfrm>
+          <a:off x="0" y="0"/>
+          <a:ext cx="0" cy="0"/>
+          <a:chOff x="0" y="0"/>
+          <a:chExt cx="0" cy="0"/>
+        </a:xfrm>
+      </p:grpSpPr>
+      <p:sp>
+        <p:nvSpPr>
+          <p:cNvPr id="2" name="Title 1"/>
+          <p:cNvSpPr>
+            <a:spLocks noGrp="1"/>
+          </p:cNvSpPr>
+          <p:nvPr>
+            <p:ph type="title"/>
+          </p:nvPr>
+        </p:nvSpPr>
+        <p:spPr/>
+        <p:txBody>
+          <a:bodyPr/>
+          <a:lstStyle/>
+          <a:p>
+            <a:endParaRPr lang="vi-VN"/>
+          </a:p>
+        </p:txBody>
+      </p:sp>
+      <p:pic>
+        <p:nvPicPr>
+          <p:cNvPr id="4" name="Content Placeholder 3"/>
+          <p:cNvPicPr>
+            <a:picLocks noGrp="1" noChangeAspect="1"/>
+          </p:cNvPicPr>
+          <p:nvPr>
+            <p:ph idx="1"/>
+          </p:nvPr>
+        </p:nvPicPr>
+        <p:blipFill>
+          <a:blip r:embed="rId2" cstate="print">
+            <a:extLst>
+              <a:ext uri="{28A0092B-C50C-407E-A947-70E740481C1C}">
+                <a14:useLocalDpi xmlns:a14="http://schemas.microsoft.com/office/drawing/2010/main" val="0"/>
+              </a:ext>
+            </a:extLst>
+          </a:blip>
+          <a:stretch>
+            <a:fillRect/>
+          </a:stretch>
+        </p:blipFill>
+        <p:spPr>
+          <a:xfrm>
+            <a:off x="2309018" y="1600200"/>
+            <a:ext cx="4525963" cy="4525963"/>
+          </a:xfrm>
+        </p:spPr>
+      </p:pic>
+    </p:spTree>
+    <p:extLst>
+      <p:ext uri="{BB962C8B-B14F-4D97-AF65-F5344CB8AC3E}">
+        <p14:creationId xmlns:p14="http://schemas.microsoft.com/office/powerpoint/2010/main" val="2664986252"/>
+      </p:ext>
+    </p:extLst>
+  </p:cSld>
+  <p:clrMapOvr>
+    <a:masterClrMapping/>
+  </p:clrMapOvr>
 </p:sld>
 </file>
 

--- a/docs/Temperature Presentation/Quy/SetupDevice/ReadDataFromWristband.pptx
+++ b/docs/Temperature Presentation/Quy/SetupDevice/ReadDataFromWristband.pptx
@@ -299,7 +299,7 @@
             <a:fld id="{1D8BD707-D9CF-40AE-B4C6-C98DA3205C09}" type="datetimeFigureOut">
               <a:rPr lang="en-US" smtClean="0"/>
               <a:pPr/>
-              <a:t>12/10/2015</a:t>
+              <a:t>12/11/2015</a:t>
             </a:fld>
             <a:endParaRPr lang="en-US"/>
           </a:p>
@@ -466,7 +466,7 @@
             <a:fld id="{1D8BD707-D9CF-40AE-B4C6-C98DA3205C09}" type="datetimeFigureOut">
               <a:rPr lang="en-US" smtClean="0"/>
               <a:pPr/>
-              <a:t>12/10/2015</a:t>
+              <a:t>12/11/2015</a:t>
             </a:fld>
             <a:endParaRPr lang="en-US"/>
           </a:p>
@@ -643,7 +643,7 @@
             <a:fld id="{1D8BD707-D9CF-40AE-B4C6-C98DA3205C09}" type="datetimeFigureOut">
               <a:rPr lang="en-US" smtClean="0"/>
               <a:pPr/>
-              <a:t>12/10/2015</a:t>
+              <a:t>12/11/2015</a:t>
             </a:fld>
             <a:endParaRPr lang="en-US"/>
           </a:p>
@@ -810,7 +810,7 @@
             <a:fld id="{1D8BD707-D9CF-40AE-B4C6-C98DA3205C09}" type="datetimeFigureOut">
               <a:rPr lang="en-US" smtClean="0"/>
               <a:pPr/>
-              <a:t>12/10/2015</a:t>
+              <a:t>12/11/2015</a:t>
             </a:fld>
             <a:endParaRPr lang="en-US"/>
           </a:p>
@@ -1053,7 +1053,7 @@
             <a:fld id="{1D8BD707-D9CF-40AE-B4C6-C98DA3205C09}" type="datetimeFigureOut">
               <a:rPr lang="en-US" smtClean="0"/>
               <a:pPr/>
-              <a:t>12/10/2015</a:t>
+              <a:t>12/11/2015</a:t>
             </a:fld>
             <a:endParaRPr lang="en-US"/>
           </a:p>
@@ -1338,7 +1338,7 @@
             <a:fld id="{1D8BD707-D9CF-40AE-B4C6-C98DA3205C09}" type="datetimeFigureOut">
               <a:rPr lang="en-US" smtClean="0"/>
               <a:pPr/>
-              <a:t>12/10/2015</a:t>
+              <a:t>12/11/2015</a:t>
             </a:fld>
             <a:endParaRPr lang="en-US"/>
           </a:p>
@@ -1757,7 +1757,7 @@
             <a:fld id="{1D8BD707-D9CF-40AE-B4C6-C98DA3205C09}" type="datetimeFigureOut">
               <a:rPr lang="en-US" smtClean="0"/>
               <a:pPr/>
-              <a:t>12/10/2015</a:t>
+              <a:t>12/11/2015</a:t>
             </a:fld>
             <a:endParaRPr lang="en-US"/>
           </a:p>
@@ -1872,7 +1872,7 @@
             <a:fld id="{1D8BD707-D9CF-40AE-B4C6-C98DA3205C09}" type="datetimeFigureOut">
               <a:rPr lang="en-US" smtClean="0"/>
               <a:pPr/>
-              <a:t>12/10/2015</a:t>
+              <a:t>12/11/2015</a:t>
             </a:fld>
             <a:endParaRPr lang="en-US"/>
           </a:p>
@@ -1964,7 +1964,7 @@
             <a:fld id="{1D8BD707-D9CF-40AE-B4C6-C98DA3205C09}" type="datetimeFigureOut">
               <a:rPr lang="en-US" smtClean="0"/>
               <a:pPr/>
-              <a:t>12/10/2015</a:t>
+              <a:t>12/11/2015</a:t>
             </a:fld>
             <a:endParaRPr lang="en-US"/>
           </a:p>
@@ -2238,7 +2238,7 @@
             <a:fld id="{1D8BD707-D9CF-40AE-B4C6-C98DA3205C09}" type="datetimeFigureOut">
               <a:rPr lang="en-US" smtClean="0"/>
               <a:pPr/>
-              <a:t>12/10/2015</a:t>
+              <a:t>12/11/2015</a:t>
             </a:fld>
             <a:endParaRPr lang="en-US"/>
           </a:p>
@@ -2488,7 +2488,7 @@
             <a:fld id="{1D8BD707-D9CF-40AE-B4C6-C98DA3205C09}" type="datetimeFigureOut">
               <a:rPr lang="en-US" smtClean="0"/>
               <a:pPr/>
-              <a:t>12/10/2015</a:t>
+              <a:t>12/11/2015</a:t>
             </a:fld>
             <a:endParaRPr lang="en-US"/>
           </a:p>
@@ -2698,7 +2698,7 @@
             <a:fld id="{1D8BD707-D9CF-40AE-B4C6-C98DA3205C09}" type="datetimeFigureOut">
               <a:rPr lang="en-US" smtClean="0"/>
               <a:pPr/>
-              <a:t>12/10/2015</a:t>
+              <a:t>12/11/2015</a:t>
             </a:fld>
             <a:endParaRPr lang="en-US"/>
           </a:p>
@@ -3195,6 +3195,66 @@
           </a:xfrm>
         </p:spPr>
       </p:pic>
+      <p:cxnSp>
+        <p:nvCxnSpPr>
+          <p:cNvPr id="5" name="Straight Connector 4"/>
+          <p:cNvCxnSpPr/>
+          <p:nvPr/>
+        </p:nvCxnSpPr>
+        <p:spPr>
+          <a:xfrm>
+            <a:off x="5334000" y="1905000"/>
+            <a:ext cx="381000" cy="381000"/>
+          </a:xfrm>
+          <a:prstGeom prst="line">
+            <a:avLst/>
+          </a:prstGeom>
+        </p:spPr>
+        <p:style>
+          <a:lnRef idx="2">
+            <a:schemeClr val="accent2"/>
+          </a:lnRef>
+          <a:fillRef idx="0">
+            <a:schemeClr val="accent2"/>
+          </a:fillRef>
+          <a:effectRef idx="1">
+            <a:schemeClr val="accent2"/>
+          </a:effectRef>
+          <a:fontRef idx="minor">
+            <a:schemeClr val="tx1"/>
+          </a:fontRef>
+        </p:style>
+      </p:cxnSp>
+      <p:cxnSp>
+        <p:nvCxnSpPr>
+          <p:cNvPr id="6" name="Straight Connector 5"/>
+          <p:cNvCxnSpPr/>
+          <p:nvPr/>
+        </p:nvCxnSpPr>
+        <p:spPr>
+          <a:xfrm flipH="1">
+            <a:off x="5334000" y="1905000"/>
+            <a:ext cx="381000" cy="381000"/>
+          </a:xfrm>
+          <a:prstGeom prst="line">
+            <a:avLst/>
+          </a:prstGeom>
+        </p:spPr>
+        <p:style>
+          <a:lnRef idx="2">
+            <a:schemeClr val="accent2"/>
+          </a:lnRef>
+          <a:fillRef idx="0">
+            <a:schemeClr val="accent2"/>
+          </a:fillRef>
+          <a:effectRef idx="1">
+            <a:schemeClr val="accent2"/>
+          </a:effectRef>
+          <a:fontRef idx="minor">
+            <a:schemeClr val="tx1"/>
+          </a:fontRef>
+        </p:style>
+      </p:cxnSp>
     </p:spTree>
     <p:extLst>
       <p:ext uri="{BB962C8B-B14F-4D97-AF65-F5344CB8AC3E}">
@@ -3273,6 +3333,66 @@
           </a:xfrm>
         </p:spPr>
       </p:pic>
+      <p:cxnSp>
+        <p:nvCxnSpPr>
+          <p:cNvPr id="5" name="Straight Connector 4"/>
+          <p:cNvCxnSpPr/>
+          <p:nvPr/>
+        </p:nvCxnSpPr>
+        <p:spPr>
+          <a:xfrm>
+            <a:off x="5334000" y="1905000"/>
+            <a:ext cx="381000" cy="381000"/>
+          </a:xfrm>
+          <a:prstGeom prst="line">
+            <a:avLst/>
+          </a:prstGeom>
+        </p:spPr>
+        <p:style>
+          <a:lnRef idx="2">
+            <a:schemeClr val="accent2"/>
+          </a:lnRef>
+          <a:fillRef idx="0">
+            <a:schemeClr val="accent2"/>
+          </a:fillRef>
+          <a:effectRef idx="1">
+            <a:schemeClr val="accent2"/>
+          </a:effectRef>
+          <a:fontRef idx="minor">
+            <a:schemeClr val="tx1"/>
+          </a:fontRef>
+        </p:style>
+      </p:cxnSp>
+      <p:cxnSp>
+        <p:nvCxnSpPr>
+          <p:cNvPr id="6" name="Straight Connector 5"/>
+          <p:cNvCxnSpPr/>
+          <p:nvPr/>
+        </p:nvCxnSpPr>
+        <p:spPr>
+          <a:xfrm flipH="1">
+            <a:off x="5334000" y="1905000"/>
+            <a:ext cx="381000" cy="381000"/>
+          </a:xfrm>
+          <a:prstGeom prst="line">
+            <a:avLst/>
+          </a:prstGeom>
+        </p:spPr>
+        <p:style>
+          <a:lnRef idx="2">
+            <a:schemeClr val="accent2"/>
+          </a:lnRef>
+          <a:fillRef idx="0">
+            <a:schemeClr val="accent2"/>
+          </a:fillRef>
+          <a:effectRef idx="1">
+            <a:schemeClr val="accent2"/>
+          </a:effectRef>
+          <a:fontRef idx="minor">
+            <a:schemeClr val="tx1"/>
+          </a:fontRef>
+        </p:style>
+      </p:cxnSp>
     </p:spTree>
     <p:extLst>
       <p:ext uri="{BB962C8B-B14F-4D97-AF65-F5344CB8AC3E}">
@@ -3429,6 +3549,66 @@
           </a:xfrm>
         </p:spPr>
       </p:pic>
+      <p:cxnSp>
+        <p:nvCxnSpPr>
+          <p:cNvPr id="5" name="Straight Connector 4"/>
+          <p:cNvCxnSpPr/>
+          <p:nvPr/>
+        </p:nvCxnSpPr>
+        <p:spPr>
+          <a:xfrm>
+            <a:off x="5334000" y="1905000"/>
+            <a:ext cx="381000" cy="381000"/>
+          </a:xfrm>
+          <a:prstGeom prst="line">
+            <a:avLst/>
+          </a:prstGeom>
+        </p:spPr>
+        <p:style>
+          <a:lnRef idx="2">
+            <a:schemeClr val="accent2"/>
+          </a:lnRef>
+          <a:fillRef idx="0">
+            <a:schemeClr val="accent2"/>
+          </a:fillRef>
+          <a:effectRef idx="1">
+            <a:schemeClr val="accent2"/>
+          </a:effectRef>
+          <a:fontRef idx="minor">
+            <a:schemeClr val="tx1"/>
+          </a:fontRef>
+        </p:style>
+      </p:cxnSp>
+      <p:cxnSp>
+        <p:nvCxnSpPr>
+          <p:cNvPr id="7" name="Straight Connector 6"/>
+          <p:cNvCxnSpPr/>
+          <p:nvPr/>
+        </p:nvCxnSpPr>
+        <p:spPr>
+          <a:xfrm flipH="1">
+            <a:off x="5334000" y="1905000"/>
+            <a:ext cx="381000" cy="381000"/>
+          </a:xfrm>
+          <a:prstGeom prst="line">
+            <a:avLst/>
+          </a:prstGeom>
+        </p:spPr>
+        <p:style>
+          <a:lnRef idx="2">
+            <a:schemeClr val="accent2"/>
+          </a:lnRef>
+          <a:fillRef idx="0">
+            <a:schemeClr val="accent2"/>
+          </a:fillRef>
+          <a:effectRef idx="1">
+            <a:schemeClr val="accent2"/>
+          </a:effectRef>
+          <a:fontRef idx="minor">
+            <a:schemeClr val="tx1"/>
+          </a:fontRef>
+        </p:style>
+      </p:cxnSp>
     </p:spTree>
     <p:extLst>
       <p:ext uri="{BB962C8B-B14F-4D97-AF65-F5344CB8AC3E}">
@@ -3507,6 +3687,66 @@
           </a:xfrm>
         </p:spPr>
       </p:pic>
+      <p:cxnSp>
+        <p:nvCxnSpPr>
+          <p:cNvPr id="5" name="Straight Connector 4"/>
+          <p:cNvCxnSpPr/>
+          <p:nvPr/>
+        </p:nvCxnSpPr>
+        <p:spPr>
+          <a:xfrm>
+            <a:off x="5334000" y="1905000"/>
+            <a:ext cx="381000" cy="381000"/>
+          </a:xfrm>
+          <a:prstGeom prst="line">
+            <a:avLst/>
+          </a:prstGeom>
+        </p:spPr>
+        <p:style>
+          <a:lnRef idx="2">
+            <a:schemeClr val="accent2"/>
+          </a:lnRef>
+          <a:fillRef idx="0">
+            <a:schemeClr val="accent2"/>
+          </a:fillRef>
+          <a:effectRef idx="1">
+            <a:schemeClr val="accent2"/>
+          </a:effectRef>
+          <a:fontRef idx="minor">
+            <a:schemeClr val="tx1"/>
+          </a:fontRef>
+        </p:style>
+      </p:cxnSp>
+      <p:cxnSp>
+        <p:nvCxnSpPr>
+          <p:cNvPr id="6" name="Straight Connector 5"/>
+          <p:cNvCxnSpPr/>
+          <p:nvPr/>
+        </p:nvCxnSpPr>
+        <p:spPr>
+          <a:xfrm flipH="1">
+            <a:off x="5334000" y="1905000"/>
+            <a:ext cx="381000" cy="381000"/>
+          </a:xfrm>
+          <a:prstGeom prst="line">
+            <a:avLst/>
+          </a:prstGeom>
+        </p:spPr>
+        <p:style>
+          <a:lnRef idx="2">
+            <a:schemeClr val="accent2"/>
+          </a:lnRef>
+          <a:fillRef idx="0">
+            <a:schemeClr val="accent2"/>
+          </a:fillRef>
+          <a:effectRef idx="1">
+            <a:schemeClr val="accent2"/>
+          </a:effectRef>
+          <a:fontRef idx="minor">
+            <a:schemeClr val="tx1"/>
+          </a:fontRef>
+        </p:style>
+      </p:cxnSp>
     </p:spTree>
     <p:extLst>
       <p:ext uri="{BB962C8B-B14F-4D97-AF65-F5344CB8AC3E}">
@@ -3585,6 +3825,66 @@
           </a:xfrm>
         </p:spPr>
       </p:pic>
+      <p:cxnSp>
+        <p:nvCxnSpPr>
+          <p:cNvPr id="5" name="Straight Connector 4"/>
+          <p:cNvCxnSpPr/>
+          <p:nvPr/>
+        </p:nvCxnSpPr>
+        <p:spPr>
+          <a:xfrm>
+            <a:off x="5334000" y="1905000"/>
+            <a:ext cx="381000" cy="381000"/>
+          </a:xfrm>
+          <a:prstGeom prst="line">
+            <a:avLst/>
+          </a:prstGeom>
+        </p:spPr>
+        <p:style>
+          <a:lnRef idx="2">
+            <a:schemeClr val="accent2"/>
+          </a:lnRef>
+          <a:fillRef idx="0">
+            <a:schemeClr val="accent2"/>
+          </a:fillRef>
+          <a:effectRef idx="1">
+            <a:schemeClr val="accent2"/>
+          </a:effectRef>
+          <a:fontRef idx="minor">
+            <a:schemeClr val="tx1"/>
+          </a:fontRef>
+        </p:style>
+      </p:cxnSp>
+      <p:cxnSp>
+        <p:nvCxnSpPr>
+          <p:cNvPr id="6" name="Straight Connector 5"/>
+          <p:cNvCxnSpPr/>
+          <p:nvPr/>
+        </p:nvCxnSpPr>
+        <p:spPr>
+          <a:xfrm flipH="1">
+            <a:off x="5334000" y="1905000"/>
+            <a:ext cx="381000" cy="381000"/>
+          </a:xfrm>
+          <a:prstGeom prst="line">
+            <a:avLst/>
+          </a:prstGeom>
+        </p:spPr>
+        <p:style>
+          <a:lnRef idx="2">
+            <a:schemeClr val="accent2"/>
+          </a:lnRef>
+          <a:fillRef idx="0">
+            <a:schemeClr val="accent2"/>
+          </a:fillRef>
+          <a:effectRef idx="1">
+            <a:schemeClr val="accent2"/>
+          </a:effectRef>
+          <a:fontRef idx="minor">
+            <a:schemeClr val="tx1"/>
+          </a:fontRef>
+        </p:style>
+      </p:cxnSp>
     </p:spTree>
     <p:extLst>
       <p:ext uri="{BB962C8B-B14F-4D97-AF65-F5344CB8AC3E}">
@@ -3663,6 +3963,66 @@
           </a:xfrm>
         </p:spPr>
       </p:pic>
+      <p:cxnSp>
+        <p:nvCxnSpPr>
+          <p:cNvPr id="5" name="Straight Connector 4"/>
+          <p:cNvCxnSpPr/>
+          <p:nvPr/>
+        </p:nvCxnSpPr>
+        <p:spPr>
+          <a:xfrm>
+            <a:off x="5334000" y="1905000"/>
+            <a:ext cx="381000" cy="381000"/>
+          </a:xfrm>
+          <a:prstGeom prst="line">
+            <a:avLst/>
+          </a:prstGeom>
+        </p:spPr>
+        <p:style>
+          <a:lnRef idx="2">
+            <a:schemeClr val="accent2"/>
+          </a:lnRef>
+          <a:fillRef idx="0">
+            <a:schemeClr val="accent2"/>
+          </a:fillRef>
+          <a:effectRef idx="1">
+            <a:schemeClr val="accent2"/>
+          </a:effectRef>
+          <a:fontRef idx="minor">
+            <a:schemeClr val="tx1"/>
+          </a:fontRef>
+        </p:style>
+      </p:cxnSp>
+      <p:cxnSp>
+        <p:nvCxnSpPr>
+          <p:cNvPr id="6" name="Straight Connector 5"/>
+          <p:cNvCxnSpPr/>
+          <p:nvPr/>
+        </p:nvCxnSpPr>
+        <p:spPr>
+          <a:xfrm flipH="1">
+            <a:off x="5334000" y="1905000"/>
+            <a:ext cx="381000" cy="381000"/>
+          </a:xfrm>
+          <a:prstGeom prst="line">
+            <a:avLst/>
+          </a:prstGeom>
+        </p:spPr>
+        <p:style>
+          <a:lnRef idx="2">
+            <a:schemeClr val="accent2"/>
+          </a:lnRef>
+          <a:fillRef idx="0">
+            <a:schemeClr val="accent2"/>
+          </a:fillRef>
+          <a:effectRef idx="1">
+            <a:schemeClr val="accent2"/>
+          </a:effectRef>
+          <a:fontRef idx="minor">
+            <a:schemeClr val="tx1"/>
+          </a:fontRef>
+        </p:style>
+      </p:cxnSp>
     </p:spTree>
     <p:extLst>
       <p:ext uri="{BB962C8B-B14F-4D97-AF65-F5344CB8AC3E}">
@@ -3741,6 +4101,66 @@
           </a:xfrm>
         </p:spPr>
       </p:pic>
+      <p:cxnSp>
+        <p:nvCxnSpPr>
+          <p:cNvPr id="5" name="Straight Connector 4"/>
+          <p:cNvCxnSpPr/>
+          <p:nvPr/>
+        </p:nvCxnSpPr>
+        <p:spPr>
+          <a:xfrm>
+            <a:off x="5334000" y="1905000"/>
+            <a:ext cx="381000" cy="381000"/>
+          </a:xfrm>
+          <a:prstGeom prst="line">
+            <a:avLst/>
+          </a:prstGeom>
+        </p:spPr>
+        <p:style>
+          <a:lnRef idx="2">
+            <a:schemeClr val="accent2"/>
+          </a:lnRef>
+          <a:fillRef idx="0">
+            <a:schemeClr val="accent2"/>
+          </a:fillRef>
+          <a:effectRef idx="1">
+            <a:schemeClr val="accent2"/>
+          </a:effectRef>
+          <a:fontRef idx="minor">
+            <a:schemeClr val="tx1"/>
+          </a:fontRef>
+        </p:style>
+      </p:cxnSp>
+      <p:cxnSp>
+        <p:nvCxnSpPr>
+          <p:cNvPr id="6" name="Straight Connector 5"/>
+          <p:cNvCxnSpPr/>
+          <p:nvPr/>
+        </p:nvCxnSpPr>
+        <p:spPr>
+          <a:xfrm flipH="1">
+            <a:off x="5334000" y="1905000"/>
+            <a:ext cx="381000" cy="381000"/>
+          </a:xfrm>
+          <a:prstGeom prst="line">
+            <a:avLst/>
+          </a:prstGeom>
+        </p:spPr>
+        <p:style>
+          <a:lnRef idx="2">
+            <a:schemeClr val="accent2"/>
+          </a:lnRef>
+          <a:fillRef idx="0">
+            <a:schemeClr val="accent2"/>
+          </a:fillRef>
+          <a:effectRef idx="1">
+            <a:schemeClr val="accent2"/>
+          </a:effectRef>
+          <a:fontRef idx="minor">
+            <a:schemeClr val="tx1"/>
+          </a:fontRef>
+        </p:style>
+      </p:cxnSp>
     </p:spTree>
     <p:extLst>
       <p:ext uri="{BB962C8B-B14F-4D97-AF65-F5344CB8AC3E}">
@@ -3819,6 +4239,66 @@
           </a:xfrm>
         </p:spPr>
       </p:pic>
+      <p:cxnSp>
+        <p:nvCxnSpPr>
+          <p:cNvPr id="5" name="Straight Connector 4"/>
+          <p:cNvCxnSpPr/>
+          <p:nvPr/>
+        </p:nvCxnSpPr>
+        <p:spPr>
+          <a:xfrm>
+            <a:off x="5334000" y="1905000"/>
+            <a:ext cx="381000" cy="381000"/>
+          </a:xfrm>
+          <a:prstGeom prst="line">
+            <a:avLst/>
+          </a:prstGeom>
+        </p:spPr>
+        <p:style>
+          <a:lnRef idx="2">
+            <a:schemeClr val="accent2"/>
+          </a:lnRef>
+          <a:fillRef idx="0">
+            <a:schemeClr val="accent2"/>
+          </a:fillRef>
+          <a:effectRef idx="1">
+            <a:schemeClr val="accent2"/>
+          </a:effectRef>
+          <a:fontRef idx="minor">
+            <a:schemeClr val="tx1"/>
+          </a:fontRef>
+        </p:style>
+      </p:cxnSp>
+      <p:cxnSp>
+        <p:nvCxnSpPr>
+          <p:cNvPr id="6" name="Straight Connector 5"/>
+          <p:cNvCxnSpPr/>
+          <p:nvPr/>
+        </p:nvCxnSpPr>
+        <p:spPr>
+          <a:xfrm flipH="1">
+            <a:off x="5334000" y="1905000"/>
+            <a:ext cx="381000" cy="381000"/>
+          </a:xfrm>
+          <a:prstGeom prst="line">
+            <a:avLst/>
+          </a:prstGeom>
+        </p:spPr>
+        <p:style>
+          <a:lnRef idx="2">
+            <a:schemeClr val="accent2"/>
+          </a:lnRef>
+          <a:fillRef idx="0">
+            <a:schemeClr val="accent2"/>
+          </a:fillRef>
+          <a:effectRef idx="1">
+            <a:schemeClr val="accent2"/>
+          </a:effectRef>
+          <a:fontRef idx="minor">
+            <a:schemeClr val="tx1"/>
+          </a:fontRef>
+        </p:style>
+      </p:cxnSp>
     </p:spTree>
     <p:extLst>
       <p:ext uri="{BB962C8B-B14F-4D97-AF65-F5344CB8AC3E}">
@@ -3897,6 +4377,66 @@
           </a:xfrm>
         </p:spPr>
       </p:pic>
+      <p:cxnSp>
+        <p:nvCxnSpPr>
+          <p:cNvPr id="5" name="Straight Connector 4"/>
+          <p:cNvCxnSpPr/>
+          <p:nvPr/>
+        </p:nvCxnSpPr>
+        <p:spPr>
+          <a:xfrm>
+            <a:off x="5334000" y="1905000"/>
+            <a:ext cx="381000" cy="381000"/>
+          </a:xfrm>
+          <a:prstGeom prst="line">
+            <a:avLst/>
+          </a:prstGeom>
+        </p:spPr>
+        <p:style>
+          <a:lnRef idx="2">
+            <a:schemeClr val="accent2"/>
+          </a:lnRef>
+          <a:fillRef idx="0">
+            <a:schemeClr val="accent2"/>
+          </a:fillRef>
+          <a:effectRef idx="1">
+            <a:schemeClr val="accent2"/>
+          </a:effectRef>
+          <a:fontRef idx="minor">
+            <a:schemeClr val="tx1"/>
+          </a:fontRef>
+        </p:style>
+      </p:cxnSp>
+      <p:cxnSp>
+        <p:nvCxnSpPr>
+          <p:cNvPr id="6" name="Straight Connector 5"/>
+          <p:cNvCxnSpPr/>
+          <p:nvPr/>
+        </p:nvCxnSpPr>
+        <p:spPr>
+          <a:xfrm flipH="1">
+            <a:off x="5334000" y="1905000"/>
+            <a:ext cx="381000" cy="381000"/>
+          </a:xfrm>
+          <a:prstGeom prst="line">
+            <a:avLst/>
+          </a:prstGeom>
+        </p:spPr>
+        <p:style>
+          <a:lnRef idx="2">
+            <a:schemeClr val="accent2"/>
+          </a:lnRef>
+          <a:fillRef idx="0">
+            <a:schemeClr val="accent2"/>
+          </a:fillRef>
+          <a:effectRef idx="1">
+            <a:schemeClr val="accent2"/>
+          </a:effectRef>
+          <a:fontRef idx="minor">
+            <a:schemeClr val="tx1"/>
+          </a:fontRef>
+        </p:style>
+      </p:cxnSp>
     </p:spTree>
     <p:extLst>
       <p:ext uri="{BB962C8B-B14F-4D97-AF65-F5344CB8AC3E}">
